--- a/AkronAshevillePresentation.pptx
+++ b/AkronAshevillePresentation.pptx
@@ -14,13 +14,16 @@
     <p:sldId id="262" r:id="rId8"/>
     <p:sldId id="263" r:id="rId9"/>
     <p:sldId id="264" r:id="rId10"/>
-    <p:sldId id="265" r:id="rId11"/>
-    <p:sldId id="266" r:id="rId12"/>
-    <p:sldId id="267" r:id="rId13"/>
-    <p:sldId id="268" r:id="rId14"/>
-    <p:sldId id="269" r:id="rId15"/>
-    <p:sldId id="270" r:id="rId16"/>
-    <p:sldId id="271" r:id="rId17"/>
+    <p:sldId id="272" r:id="rId11"/>
+    <p:sldId id="265" r:id="rId12"/>
+    <p:sldId id="266" r:id="rId13"/>
+    <p:sldId id="273" r:id="rId14"/>
+    <p:sldId id="267" r:id="rId15"/>
+    <p:sldId id="268" r:id="rId16"/>
+    <p:sldId id="274" r:id="rId17"/>
+    <p:sldId id="269" r:id="rId18"/>
+    <p:sldId id="270" r:id="rId19"/>
+    <p:sldId id="271" r:id="rId20"/>
   </p:sldIdLst>
   <p:sldSz cx="12192000" cy="6858000"/>
   <p:notesSz cx="6858000" cy="9144000"/>
@@ -3345,7 +3348,7 @@
           <p:cNvPr id="2" name="Title 1">
             <a:extLst>
               <a:ext uri="{FF2B5EF4-FFF2-40B4-BE49-F238E27FC236}">
-                <a16:creationId xmlns:a16="http://schemas.microsoft.com/office/drawing/2014/main" id="{1092837B-E55A-3D4A-8F50-2EE2D1CFC8C2}"/>
+                <a16:creationId xmlns:a16="http://schemas.microsoft.com/office/drawing/2014/main" id="{17C8E77D-2AC5-DE41-802F-32B30D011CCD}"/>
               </a:ext>
             </a:extLst>
           </p:cNvPr>
@@ -3373,7 +3376,7 @@
           <p:cNvPr id="3" name="Content Placeholder 2">
             <a:extLst>
               <a:ext uri="{FF2B5EF4-FFF2-40B4-BE49-F238E27FC236}">
-                <a16:creationId xmlns:a16="http://schemas.microsoft.com/office/drawing/2014/main" id="{DB9DDFB2-9380-3848-A76E-184FC82BF8B5}"/>
+                <a16:creationId xmlns:a16="http://schemas.microsoft.com/office/drawing/2014/main" id="{A29F2590-5AFE-E744-8E00-DFF53FA76F96}"/>
               </a:ext>
             </a:extLst>
           </p:cNvPr>
@@ -3381,44 +3384,22 @@
             <a:spLocks noGrp="1"/>
           </p:cNvSpPr>
           <p:nvPr>
-            <p:ph idx="1"/>
-          </p:nvPr>
-        </p:nvSpPr>
-        <p:spPr>
-          <a:xfrm>
-            <a:off x="2231136" y="2779043"/>
-            <a:ext cx="7729728" cy="3609442"/>
-          </a:xfrm>
-        </p:spPr>
-        <p:txBody>
-          <a:bodyPr>
-            <a:normAutofit/>
-          </a:bodyPr>
-          <a:lstStyle/>
-          <a:p>
-            <a:r>
-              <a:rPr lang="en-US" sz="2400" dirty="0"/>
-              <a:t>Two sample Z test</a:t>
-            </a:r>
-          </a:p>
-          <a:p>
-            <a:r>
-              <a:rPr lang="en-US" sz="2400" dirty="0"/>
-              <a:t>Population distribution unknown, but because sample size is large can assume normal by central limit theorem</a:t>
-            </a:r>
-          </a:p>
-          <a:p>
-            <a:r>
-              <a:rPr lang="en-US" sz="2400" dirty="0"/>
-              <a:t>95% confidence</a:t>
-            </a:r>
+            <p:ph type="body" idx="1"/>
+          </p:nvPr>
+        </p:nvSpPr>
+        <p:spPr/>
+        <p:txBody>
+          <a:bodyPr/>
+          <a:lstStyle/>
+          <a:p>
+            <a:endParaRPr lang="en-US"/>
           </a:p>
         </p:txBody>
       </p:sp>
     </p:spTree>
     <p:extLst>
       <p:ext uri="{BB962C8B-B14F-4D97-AF65-F5344CB8AC3E}">
-        <p14:creationId xmlns:p14="http://schemas.microsoft.com/office/powerpoint/2010/main" val="369893988"/>
+        <p14:creationId xmlns:p14="http://schemas.microsoft.com/office/powerpoint/2010/main" val="2837071779"/>
       </p:ext>
     </p:extLst>
   </p:cSld>
@@ -3450,7 +3431,7 @@
           <p:cNvPr id="2" name="Title 1">
             <a:extLst>
               <a:ext uri="{FF2B5EF4-FFF2-40B4-BE49-F238E27FC236}">
-                <a16:creationId xmlns:a16="http://schemas.microsoft.com/office/drawing/2014/main" id="{8E623BCD-B5A1-C746-880F-363363F80612}"/>
+                <a16:creationId xmlns:a16="http://schemas.microsoft.com/office/drawing/2014/main" id="{1092837B-E55A-3D4A-8F50-2EE2D1CFC8C2}"/>
               </a:ext>
             </a:extLst>
           </p:cNvPr>
@@ -3478,7 +3459,7 @@
           <p:cNvPr id="3" name="Content Placeholder 2">
             <a:extLst>
               <a:ext uri="{FF2B5EF4-FFF2-40B4-BE49-F238E27FC236}">
-                <a16:creationId xmlns:a16="http://schemas.microsoft.com/office/drawing/2014/main" id="{C6424ED6-5B02-4A45-9046-C08BBB0D1D72}"/>
+                <a16:creationId xmlns:a16="http://schemas.microsoft.com/office/drawing/2014/main" id="{DB9DDFB2-9380-3848-A76E-184FC82BF8B5}"/>
               </a:ext>
             </a:extLst>
           </p:cNvPr>
@@ -3491,49 +3472,31 @@
         </p:nvSpPr>
         <p:spPr>
           <a:xfrm>
-            <a:off x="2231136" y="2638044"/>
-            <a:ext cx="7729728" cy="4077562"/>
+            <a:off x="2231136" y="2779043"/>
+            <a:ext cx="7729728" cy="3609442"/>
           </a:xfrm>
         </p:spPr>
         <p:txBody>
-          <a:bodyPr/>
+          <a:bodyPr>
+            <a:normAutofit/>
+          </a:bodyPr>
           <a:lstStyle/>
           <a:p>
             <a:r>
               <a:rPr lang="en-US" sz="2400" dirty="0"/>
-              <a:t>H</a:t>
-            </a:r>
-            <a:r>
-              <a:rPr lang="en-US" sz="2400" baseline="-25000" dirty="0"/>
-              <a:t>0</a:t>
-            </a:r>
+              <a:t>Two sample Z test</a:t>
+            </a:r>
+          </a:p>
+          <a:p>
             <a:r>
               <a:rPr lang="en-US" sz="2400" dirty="0"/>
-              <a:t>: Akron average temperature – Asheville average temperature = -5</a:t>
+              <a:t>Population distribution unknown, but because sample size is large can assume normal by central limit theorem</a:t>
             </a:r>
           </a:p>
           <a:p>
             <a:r>
               <a:rPr lang="en-US" sz="2400" dirty="0"/>
-              <a:t>Ha: Akron average temperature – Asheville average temperature &lt; -5</a:t>
-            </a:r>
-          </a:p>
-          <a:p>
-            <a:r>
-              <a:rPr lang="en-US" sz="2400" dirty="0"/>
-              <a:t>Test statistic: z = -0.090892</a:t>
-            </a:r>
-          </a:p>
-          <a:p>
-            <a:r>
-              <a:rPr lang="en-US" sz="2400" dirty="0"/>
-              <a:t>-0.090892 &gt; -1.645</a:t>
-            </a:r>
-          </a:p>
-          <a:p>
-            <a:r>
-              <a:rPr lang="en-US" sz="2400" dirty="0"/>
-              <a:t>Fail to reject null hypothesis, inconclusive</a:t>
+              <a:t>95% confidence</a:t>
             </a:r>
           </a:p>
         </p:txBody>
@@ -3541,7 +3504,7 @@
     </p:spTree>
     <p:extLst>
       <p:ext uri="{BB962C8B-B14F-4D97-AF65-F5344CB8AC3E}">
-        <p14:creationId xmlns:p14="http://schemas.microsoft.com/office/powerpoint/2010/main" val="2514617951"/>
+        <p14:creationId xmlns:p14="http://schemas.microsoft.com/office/powerpoint/2010/main" val="369893988"/>
       </p:ext>
     </p:extLst>
   </p:cSld>
@@ -3573,6 +3536,212 @@
           <p:cNvPr id="2" name="Title 1">
             <a:extLst>
               <a:ext uri="{FF2B5EF4-FFF2-40B4-BE49-F238E27FC236}">
+                <a16:creationId xmlns:a16="http://schemas.microsoft.com/office/drawing/2014/main" id="{8E623BCD-B5A1-C746-880F-363363F80612}"/>
+              </a:ext>
+            </a:extLst>
+          </p:cNvPr>
+          <p:cNvSpPr>
+            <a:spLocks noGrp="1"/>
+          </p:cNvSpPr>
+          <p:nvPr>
+            <p:ph type="title"/>
+          </p:nvPr>
+        </p:nvSpPr>
+        <p:spPr/>
+        <p:txBody>
+          <a:bodyPr/>
+          <a:lstStyle/>
+          <a:p>
+            <a:r>
+              <a:rPr lang="en-US" dirty="0"/>
+              <a:t>Test</a:t>
+            </a:r>
+          </a:p>
+        </p:txBody>
+      </p:sp>
+      <p:sp>
+        <p:nvSpPr>
+          <p:cNvPr id="3" name="Content Placeholder 2">
+            <a:extLst>
+              <a:ext uri="{FF2B5EF4-FFF2-40B4-BE49-F238E27FC236}">
+                <a16:creationId xmlns:a16="http://schemas.microsoft.com/office/drawing/2014/main" id="{C6424ED6-5B02-4A45-9046-C08BBB0D1D72}"/>
+              </a:ext>
+            </a:extLst>
+          </p:cNvPr>
+          <p:cNvSpPr>
+            <a:spLocks noGrp="1"/>
+          </p:cNvSpPr>
+          <p:nvPr>
+            <p:ph idx="1"/>
+          </p:nvPr>
+        </p:nvSpPr>
+        <p:spPr>
+          <a:xfrm>
+            <a:off x="2231136" y="2638044"/>
+            <a:ext cx="7729728" cy="4077562"/>
+          </a:xfrm>
+        </p:spPr>
+        <p:txBody>
+          <a:bodyPr/>
+          <a:lstStyle/>
+          <a:p>
+            <a:r>
+              <a:rPr lang="en-US" sz="2400" dirty="0"/>
+              <a:t>H</a:t>
+            </a:r>
+            <a:r>
+              <a:rPr lang="en-US" sz="2400" baseline="-25000" dirty="0"/>
+              <a:t>0</a:t>
+            </a:r>
+            <a:r>
+              <a:rPr lang="en-US" sz="2400" dirty="0"/>
+              <a:t>:  Akron average temperature – Asheville average temperature = -5</a:t>
+            </a:r>
+          </a:p>
+          <a:p>
+            <a:r>
+              <a:rPr lang="en-US" sz="2400" dirty="0"/>
+              <a:t>Ha:  Akron average temperature – Asheville average temperature &lt; -5</a:t>
+            </a:r>
+          </a:p>
+          <a:p>
+            <a:r>
+              <a:rPr lang="en-US" sz="2400" dirty="0"/>
+              <a:t>Test statistic: z = -0.090892</a:t>
+            </a:r>
+          </a:p>
+          <a:p>
+            <a:r>
+              <a:rPr lang="en-US" sz="2400" dirty="0"/>
+              <a:t>-0.090892 &gt; -1.645</a:t>
+            </a:r>
+          </a:p>
+          <a:p>
+            <a:r>
+              <a:rPr lang="en-US" sz="2400" dirty="0"/>
+              <a:t>Fail to reject null hypothesis, inconclusive</a:t>
+            </a:r>
+          </a:p>
+        </p:txBody>
+      </p:sp>
+    </p:spTree>
+    <p:extLst>
+      <p:ext uri="{BB962C8B-B14F-4D97-AF65-F5344CB8AC3E}">
+        <p14:creationId xmlns:p14="http://schemas.microsoft.com/office/powerpoint/2010/main" val="2514617951"/>
+      </p:ext>
+    </p:extLst>
+  </p:cSld>
+  <p:clrMapOvr>
+    <a:masterClrMapping/>
+  </p:clrMapOvr>
+</p:sld>
+</file>
+
+<file path=ppt/slides/slide13.xml><?xml version="1.0" encoding="utf-8"?>
+<p:sld xmlns:a="http://schemas.openxmlformats.org/drawingml/2006/main" xmlns:r="http://schemas.openxmlformats.org/officeDocument/2006/relationships" xmlns:p="http://schemas.openxmlformats.org/presentationml/2006/main">
+  <p:cSld>
+    <p:spTree>
+      <p:nvGrpSpPr>
+        <p:cNvPr id="1" name=""/>
+        <p:cNvGrpSpPr/>
+        <p:nvPr/>
+      </p:nvGrpSpPr>
+      <p:grpSpPr>
+        <a:xfrm>
+          <a:off x="0" y="0"/>
+          <a:ext cx="0" cy="0"/>
+          <a:chOff x="0" y="0"/>
+          <a:chExt cx="0" cy="0"/>
+        </a:xfrm>
+      </p:grpSpPr>
+      <p:sp>
+        <p:nvSpPr>
+          <p:cNvPr id="2" name="Title 1">
+            <a:extLst>
+              <a:ext uri="{FF2B5EF4-FFF2-40B4-BE49-F238E27FC236}">
+                <a16:creationId xmlns:a16="http://schemas.microsoft.com/office/drawing/2014/main" id="{FB18813D-10A8-E440-8752-E14E2693E491}"/>
+              </a:ext>
+            </a:extLst>
+          </p:cNvPr>
+          <p:cNvSpPr>
+            <a:spLocks noGrp="1"/>
+          </p:cNvSpPr>
+          <p:nvPr>
+            <p:ph type="title"/>
+          </p:nvPr>
+        </p:nvSpPr>
+        <p:spPr/>
+        <p:txBody>
+          <a:bodyPr/>
+          <a:lstStyle/>
+          <a:p>
+            <a:r>
+              <a:rPr lang="en-US" dirty="0"/>
+              <a:t>Looking deeper</a:t>
+            </a:r>
+          </a:p>
+        </p:txBody>
+      </p:sp>
+      <p:sp>
+        <p:nvSpPr>
+          <p:cNvPr id="3" name="Content Placeholder 2">
+            <a:extLst>
+              <a:ext uri="{FF2B5EF4-FFF2-40B4-BE49-F238E27FC236}">
+                <a16:creationId xmlns:a16="http://schemas.microsoft.com/office/drawing/2014/main" id="{B91677A9-590B-5340-B51B-AB13B7A45350}"/>
+              </a:ext>
+            </a:extLst>
+          </p:cNvPr>
+          <p:cNvSpPr>
+            <a:spLocks noGrp="1"/>
+          </p:cNvSpPr>
+          <p:nvPr>
+            <p:ph type="body" idx="1"/>
+          </p:nvPr>
+        </p:nvSpPr>
+        <p:spPr/>
+        <p:txBody>
+          <a:bodyPr/>
+          <a:lstStyle/>
+          <a:p>
+            <a:endParaRPr lang="en-US"/>
+          </a:p>
+        </p:txBody>
+      </p:sp>
+    </p:spTree>
+    <p:extLst>
+      <p:ext uri="{BB962C8B-B14F-4D97-AF65-F5344CB8AC3E}">
+        <p14:creationId xmlns:p14="http://schemas.microsoft.com/office/powerpoint/2010/main" val="2317434331"/>
+      </p:ext>
+    </p:extLst>
+  </p:cSld>
+  <p:clrMapOvr>
+    <a:masterClrMapping/>
+  </p:clrMapOvr>
+</p:sld>
+</file>
+
+<file path=ppt/slides/slide14.xml><?xml version="1.0" encoding="utf-8"?>
+<p:sld xmlns:a="http://schemas.openxmlformats.org/drawingml/2006/main" xmlns:r="http://schemas.openxmlformats.org/officeDocument/2006/relationships" xmlns:p="http://schemas.openxmlformats.org/presentationml/2006/main">
+  <p:cSld>
+    <p:spTree>
+      <p:nvGrpSpPr>
+        <p:cNvPr id="1" name=""/>
+        <p:cNvGrpSpPr/>
+        <p:nvPr/>
+      </p:nvGrpSpPr>
+      <p:grpSpPr>
+        <a:xfrm>
+          <a:off x="0" y="0"/>
+          <a:ext cx="0" cy="0"/>
+          <a:chOff x="0" y="0"/>
+          <a:chExt cx="0" cy="0"/>
+        </a:xfrm>
+      </p:grpSpPr>
+      <p:sp>
+        <p:nvSpPr>
+          <p:cNvPr id="2" name="Title 1">
+            <a:extLst>
+              <a:ext uri="{FF2B5EF4-FFF2-40B4-BE49-F238E27FC236}">
                 <a16:creationId xmlns:a16="http://schemas.microsoft.com/office/drawing/2014/main" id="{2ABE1B13-5428-CE44-806F-9F1D907EB01F}"/>
               </a:ext>
             </a:extLst>
@@ -3591,7 +3760,7 @@
           <a:p>
             <a:r>
               <a:rPr lang="en-US" dirty="0"/>
-              <a:t>Looking deeper</a:t>
+              <a:t>Data by month</a:t>
             </a:r>
           </a:p>
         </p:txBody>
@@ -3637,7 +3806,7 @@
 </p:sld>
 </file>
 
-<file path=ppt/slides/slide13.xml><?xml version="1.0" encoding="utf-8"?>
+<file path=ppt/slides/slide15.xml><?xml version="1.0" encoding="utf-8"?>
 <p:sld xmlns:a="http://schemas.openxmlformats.org/drawingml/2006/main" xmlns:r="http://schemas.openxmlformats.org/officeDocument/2006/relationships" xmlns:p="http://schemas.openxmlformats.org/presentationml/2006/main">
   <p:cSld>
     <p:spTree>
@@ -4761,7 +4930,7 @@
 </p:sld>
 </file>
 
-<file path=ppt/slides/slide14.xml><?xml version="1.0" encoding="utf-8"?>
+<file path=ppt/slides/slide16.xml><?xml version="1.0" encoding="utf-8"?>
 <p:sld xmlns:a="http://schemas.openxmlformats.org/drawingml/2006/main" xmlns:r="http://schemas.openxmlformats.org/officeDocument/2006/relationships" xmlns:p="http://schemas.openxmlformats.org/presentationml/2006/main">
   <p:cSld>
     <p:spTree>
@@ -4783,7 +4952,7 @@
           <p:cNvPr id="2" name="Title 1">
             <a:extLst>
               <a:ext uri="{FF2B5EF4-FFF2-40B4-BE49-F238E27FC236}">
-                <a16:creationId xmlns:a16="http://schemas.microsoft.com/office/drawing/2014/main" id="{C3FEB6D5-62BE-1A42-BB23-12F31D73BB0A}"/>
+                <a16:creationId xmlns:a16="http://schemas.microsoft.com/office/drawing/2014/main" id="{E62D41C3-0A65-5C4B-AEDE-9AB86657CD67}"/>
               </a:ext>
             </a:extLst>
           </p:cNvPr>
@@ -4801,7 +4970,7 @@
           <a:p>
             <a:r>
               <a:rPr lang="en-US" dirty="0"/>
-              <a:t>Winter test</a:t>
+              <a:t>Test again</a:t>
             </a:r>
           </a:p>
         </p:txBody>
@@ -4811,7 +4980,7 @@
           <p:cNvPr id="3" name="Content Placeholder 2">
             <a:extLst>
               <a:ext uri="{FF2B5EF4-FFF2-40B4-BE49-F238E27FC236}">
-                <a16:creationId xmlns:a16="http://schemas.microsoft.com/office/drawing/2014/main" id="{E279C17F-94A8-C14E-BD0B-2DD9A27A6A2D}"/>
+                <a16:creationId xmlns:a16="http://schemas.microsoft.com/office/drawing/2014/main" id="{36DB6BAE-E91C-D04B-BE20-746522905D24}"/>
               </a:ext>
             </a:extLst>
           </p:cNvPr>
@@ -4819,7 +4988,7 @@
             <a:spLocks noGrp="1"/>
           </p:cNvSpPr>
           <p:nvPr>
-            <p:ph idx="1"/>
+            <p:ph type="body" idx="1"/>
           </p:nvPr>
         </p:nvSpPr>
         <p:spPr/>
@@ -4827,32 +4996,14 @@
           <a:bodyPr/>
           <a:lstStyle/>
           <a:p>
-            <a:r>
-              <a:rPr lang="en-US" sz="2400" dirty="0"/>
-              <a:t>Two sample Z test</a:t>
-            </a:r>
-          </a:p>
-          <a:p>
-            <a:r>
-              <a:rPr lang="en-US" sz="2400" dirty="0"/>
-              <a:t>Population distribution unknown, but because sample size is large can assume normal by central limit theorem</a:t>
-            </a:r>
-          </a:p>
-          <a:p>
-            <a:r>
-              <a:rPr lang="en-US" sz="2400" dirty="0"/>
-              <a:t>95% confidence</a:t>
-            </a:r>
-          </a:p>
-          <a:p>
-            <a:endParaRPr lang="en-US" dirty="0"/>
+            <a:endParaRPr lang="en-US"/>
           </a:p>
         </p:txBody>
       </p:sp>
     </p:spTree>
     <p:extLst>
       <p:ext uri="{BB962C8B-B14F-4D97-AF65-F5344CB8AC3E}">
-        <p14:creationId xmlns:p14="http://schemas.microsoft.com/office/powerpoint/2010/main" val="3318734090"/>
+        <p14:creationId xmlns:p14="http://schemas.microsoft.com/office/powerpoint/2010/main" val="20774553"/>
       </p:ext>
     </p:extLst>
   </p:cSld>
@@ -4862,7 +5013,7 @@
 </p:sld>
 </file>
 
-<file path=ppt/slides/slide15.xml><?xml version="1.0" encoding="utf-8"?>
+<file path=ppt/slides/slide17.xml><?xml version="1.0" encoding="utf-8"?>
 <p:sld xmlns:a="http://schemas.openxmlformats.org/drawingml/2006/main" xmlns:r="http://schemas.openxmlformats.org/officeDocument/2006/relationships" xmlns:p="http://schemas.openxmlformats.org/presentationml/2006/main">
   <p:cSld>
     <p:spTree>
@@ -4884,6 +5035,107 @@
           <p:cNvPr id="2" name="Title 1">
             <a:extLst>
               <a:ext uri="{FF2B5EF4-FFF2-40B4-BE49-F238E27FC236}">
+                <a16:creationId xmlns:a16="http://schemas.microsoft.com/office/drawing/2014/main" id="{C3FEB6D5-62BE-1A42-BB23-12F31D73BB0A}"/>
+              </a:ext>
+            </a:extLst>
+          </p:cNvPr>
+          <p:cNvSpPr>
+            <a:spLocks noGrp="1"/>
+          </p:cNvSpPr>
+          <p:nvPr>
+            <p:ph type="title"/>
+          </p:nvPr>
+        </p:nvSpPr>
+        <p:spPr/>
+        <p:txBody>
+          <a:bodyPr/>
+          <a:lstStyle/>
+          <a:p>
+            <a:r>
+              <a:rPr lang="en-US" dirty="0"/>
+              <a:t>Winter test</a:t>
+            </a:r>
+          </a:p>
+        </p:txBody>
+      </p:sp>
+      <p:sp>
+        <p:nvSpPr>
+          <p:cNvPr id="3" name="Content Placeholder 2">
+            <a:extLst>
+              <a:ext uri="{FF2B5EF4-FFF2-40B4-BE49-F238E27FC236}">
+                <a16:creationId xmlns:a16="http://schemas.microsoft.com/office/drawing/2014/main" id="{E279C17F-94A8-C14E-BD0B-2DD9A27A6A2D}"/>
+              </a:ext>
+            </a:extLst>
+          </p:cNvPr>
+          <p:cNvSpPr>
+            <a:spLocks noGrp="1"/>
+          </p:cNvSpPr>
+          <p:nvPr>
+            <p:ph idx="1"/>
+          </p:nvPr>
+        </p:nvSpPr>
+        <p:spPr/>
+        <p:txBody>
+          <a:bodyPr/>
+          <a:lstStyle/>
+          <a:p>
+            <a:r>
+              <a:rPr lang="en-US" sz="2400" dirty="0"/>
+              <a:t>Two sample Z test</a:t>
+            </a:r>
+          </a:p>
+          <a:p>
+            <a:r>
+              <a:rPr lang="en-US" sz="2400" dirty="0"/>
+              <a:t>Population distribution unknown, but because sample size is large can assume normal by central limit theorem</a:t>
+            </a:r>
+          </a:p>
+          <a:p>
+            <a:r>
+              <a:rPr lang="en-US" sz="2400" dirty="0"/>
+              <a:t>95% confidence</a:t>
+            </a:r>
+          </a:p>
+          <a:p>
+            <a:endParaRPr lang="en-US" dirty="0"/>
+          </a:p>
+        </p:txBody>
+      </p:sp>
+    </p:spTree>
+    <p:extLst>
+      <p:ext uri="{BB962C8B-B14F-4D97-AF65-F5344CB8AC3E}">
+        <p14:creationId xmlns:p14="http://schemas.microsoft.com/office/powerpoint/2010/main" val="3318734090"/>
+      </p:ext>
+    </p:extLst>
+  </p:cSld>
+  <p:clrMapOvr>
+    <a:masterClrMapping/>
+  </p:clrMapOvr>
+</p:sld>
+</file>
+
+<file path=ppt/slides/slide18.xml><?xml version="1.0" encoding="utf-8"?>
+<p:sld xmlns:a="http://schemas.openxmlformats.org/drawingml/2006/main" xmlns:r="http://schemas.openxmlformats.org/officeDocument/2006/relationships" xmlns:p="http://schemas.openxmlformats.org/presentationml/2006/main">
+  <p:cSld>
+    <p:spTree>
+      <p:nvGrpSpPr>
+        <p:cNvPr id="1" name=""/>
+        <p:cNvGrpSpPr/>
+        <p:nvPr/>
+      </p:nvGrpSpPr>
+      <p:grpSpPr>
+        <a:xfrm>
+          <a:off x="0" y="0"/>
+          <a:ext cx="0" cy="0"/>
+          <a:chOff x="0" y="0"/>
+          <a:chExt cx="0" cy="0"/>
+        </a:xfrm>
+      </p:grpSpPr>
+      <p:sp>
+        <p:nvSpPr>
+          <p:cNvPr id="2" name="Title 1">
+            <a:extLst>
+              <a:ext uri="{FF2B5EF4-FFF2-40B4-BE49-F238E27FC236}">
                 <a16:creationId xmlns:a16="http://schemas.microsoft.com/office/drawing/2014/main" id="{54D73403-9A23-A542-B199-F19483057F59}"/>
               </a:ext>
             </a:extLst>
@@ -4945,13 +5197,13 @@
             </a:r>
             <a:r>
               <a:rPr lang="en-US" sz="2400" dirty="0"/>
-              <a:t>: Akron winter average temperature – Asheville winter average temperature = -5</a:t>
+              <a:t>:  Akron winter average temperature – Asheville winter average temperature = -5</a:t>
             </a:r>
           </a:p>
           <a:p>
             <a:r>
               <a:rPr lang="en-US" sz="2400" dirty="0"/>
-              <a:t>Ha: Akron winter average temperature – Asheville winter average temperature &lt; -5</a:t>
+              <a:t>Ha:  Akron winter average temperature – Asheville winter average temperature &lt; -5</a:t>
             </a:r>
           </a:p>
           <a:p>
@@ -4990,7 +5242,7 @@
 </p:sld>
 </file>
 
-<file path=ppt/slides/slide16.xml><?xml version="1.0" encoding="utf-8"?>
+<file path=ppt/slides/slide19.xml><?xml version="1.0" encoding="utf-8"?>
 <p:sld xmlns:a="http://schemas.openxmlformats.org/drawingml/2006/main" xmlns:r="http://schemas.openxmlformats.org/officeDocument/2006/relationships" xmlns:p="http://schemas.openxmlformats.org/presentationml/2006/main">
   <p:cSld>
     <p:spTree>
@@ -5775,7 +6027,7 @@
           <a:p>
             <a:r>
               <a:rPr lang="en-US" sz="2400" dirty="0"/>
-              <a:t>From NationalOceanic and Atmospheric Administration Global Historical Climate Daily dataset</a:t>
+              <a:t>From National Oceanic and Atmospheric Administration Global Historical Climate Daily dataset</a:t>
             </a:r>
           </a:p>
           <a:p>

--- a/AkronAshevillePresentation.pptx
+++ b/AkronAshevillePresentation.pptx
@@ -18,12 +18,18 @@
     <p:sldId id="265" r:id="rId12"/>
     <p:sldId id="266" r:id="rId13"/>
     <p:sldId id="273" r:id="rId14"/>
-    <p:sldId id="267" r:id="rId15"/>
-    <p:sldId id="268" r:id="rId16"/>
-    <p:sldId id="274" r:id="rId17"/>
-    <p:sldId id="269" r:id="rId18"/>
-    <p:sldId id="270" r:id="rId19"/>
-    <p:sldId id="271" r:id="rId20"/>
+    <p:sldId id="275" r:id="rId15"/>
+    <p:sldId id="267" r:id="rId16"/>
+    <p:sldId id="268" r:id="rId17"/>
+    <p:sldId id="276" r:id="rId18"/>
+    <p:sldId id="277" r:id="rId19"/>
+    <p:sldId id="274" r:id="rId20"/>
+    <p:sldId id="269" r:id="rId21"/>
+    <p:sldId id="270" r:id="rId22"/>
+    <p:sldId id="278" r:id="rId23"/>
+    <p:sldId id="279" r:id="rId24"/>
+    <p:sldId id="271" r:id="rId25"/>
+    <p:sldId id="280" r:id="rId26"/>
   </p:sldIdLst>
   <p:sldSz cx="12192000" cy="6858000"/>
   <p:notesSz cx="6858000" cy="9144000"/>
@@ -288,7 +294,7 @@
           <a:p>
             <a:fld id="{1160EA64-D806-43AC-9DF2-F8C432F32B4C}" type="datetimeFigureOut">
               <a:rPr lang="en-US" dirty="0"/>
-              <a:t>12/1/18</a:t>
+              <a:t>12/2/18</a:t>
             </a:fld>
             <a:endParaRPr lang="en-US" dirty="0"/>
           </a:p>
@@ -454,7 +460,7 @@
           <a:p>
             <a:fld id="{E9F9C37B-1D36-470B-8223-D6C91242EC14}" type="datetimeFigureOut">
               <a:rPr lang="en-US" dirty="0"/>
-              <a:t>12/1/18</a:t>
+              <a:t>12/2/18</a:t>
             </a:fld>
             <a:endParaRPr lang="en-US" dirty="0"/>
           </a:p>
@@ -629,7 +635,7 @@
           <a:p>
             <a:fld id="{67C6F52A-A82B-47A2-A83A-8C4C91F2D59F}" type="datetimeFigureOut">
               <a:rPr lang="en-US" dirty="0"/>
-              <a:t>12/1/18</a:t>
+              <a:t>12/2/18</a:t>
             </a:fld>
             <a:endParaRPr lang="en-US" dirty="0"/>
           </a:p>
@@ -794,7 +800,7 @@
           <a:p>
             <a:fld id="{F070A7B3-6521-4DCA-87E5-044747A908C1}" type="datetimeFigureOut">
               <a:rPr lang="en-US" dirty="0"/>
-              <a:t>12/1/18</a:t>
+              <a:t>12/2/18</a:t>
             </a:fld>
             <a:endParaRPr lang="en-US" dirty="0"/>
           </a:p>
@@ -1058,7 +1064,7 @@
           <a:p>
             <a:fld id="{1160EA64-D806-43AC-9DF2-F8C432F32B4C}" type="datetimeFigureOut">
               <a:rPr lang="en-US" dirty="0"/>
-              <a:t>12/1/18</a:t>
+              <a:t>12/2/18</a:t>
             </a:fld>
             <a:endParaRPr lang="en-US" dirty="0"/>
           </a:p>
@@ -1286,7 +1292,7 @@
           <a:p>
             <a:fld id="{AB134690-1557-4C89-A502-4959FE7FAD70}" type="datetimeFigureOut">
               <a:rPr lang="en-US" dirty="0"/>
-              <a:t>12/1/18</a:t>
+              <a:t>12/2/18</a:t>
             </a:fld>
             <a:endParaRPr lang="en-US" dirty="0"/>
           </a:p>
@@ -1640,7 +1646,7 @@
           <a:p>
             <a:fld id="{4F7D4976-E339-4826-83B7-FBD03F55ECF8}" type="datetimeFigureOut">
               <a:rPr lang="en-US" dirty="0"/>
-              <a:t>12/1/18</a:t>
+              <a:t>12/2/18</a:t>
             </a:fld>
             <a:endParaRPr lang="en-US" dirty="0"/>
           </a:p>
@@ -1776,7 +1782,7 @@
           <a:p>
             <a:fld id="{E1037C31-9E7A-4F99-8774-A0E530DE1A42}" type="datetimeFigureOut">
               <a:rPr lang="en-US" dirty="0"/>
-              <a:t>12/1/18</a:t>
+              <a:t>12/2/18</a:t>
             </a:fld>
             <a:endParaRPr lang="en-US" dirty="0"/>
           </a:p>
@@ -1866,7 +1872,7 @@
           <a:p>
             <a:fld id="{C278504F-A551-4DE0-9316-4DCD1D8CC752}" type="datetimeFigureOut">
               <a:rPr lang="en-US" dirty="0"/>
-              <a:t>12/1/18</a:t>
+              <a:t>12/2/18</a:t>
             </a:fld>
             <a:endParaRPr lang="en-US" dirty="0"/>
           </a:p>
@@ -2218,7 +2224,7 @@
           <a:p>
             <a:fld id="{D1BE4249-C0D0-4B06-8692-E8BB871AF643}" type="datetimeFigureOut">
               <a:rPr lang="en-US" dirty="0"/>
-              <a:t>12/1/18</a:t>
+              <a:t>12/2/18</a:t>
             </a:fld>
             <a:endParaRPr lang="en-US" dirty="0"/>
           </a:p>
@@ -2570,7 +2576,7 @@
           <a:p>
             <a:fld id="{042B0DB6-F5C7-45FB-8CF3-31B45F9C2DAC}" type="datetimeFigureOut">
               <a:rPr lang="en-US" dirty="0"/>
-              <a:t>12/1/18</a:t>
+              <a:t>12/2/18</a:t>
             </a:fld>
             <a:endParaRPr lang="en-US" dirty="0"/>
           </a:p>
@@ -2806,7 +2812,7 @@
           <a:p>
             <a:fld id="{1160EA64-D806-43AC-9DF2-F8C432F32B4C}" type="datetimeFigureOut">
               <a:rPr lang="en-US" dirty="0"/>
-              <a:t>12/1/18</a:t>
+              <a:t>12/2/18</a:t>
             </a:fld>
             <a:endParaRPr lang="en-US" dirty="0"/>
           </a:p>
@@ -3371,31 +3377,6 @@
           </a:p>
         </p:txBody>
       </p:sp>
-      <p:sp>
-        <p:nvSpPr>
-          <p:cNvPr id="3" name="Content Placeholder 2">
-            <a:extLst>
-              <a:ext uri="{FF2B5EF4-FFF2-40B4-BE49-F238E27FC236}">
-                <a16:creationId xmlns:a16="http://schemas.microsoft.com/office/drawing/2014/main" id="{A29F2590-5AFE-E744-8E00-DFF53FA76F96}"/>
-              </a:ext>
-            </a:extLst>
-          </p:cNvPr>
-          <p:cNvSpPr>
-            <a:spLocks noGrp="1"/>
-          </p:cNvSpPr>
-          <p:nvPr>
-            <p:ph type="body" idx="1"/>
-          </p:nvPr>
-        </p:nvSpPr>
-        <p:spPr/>
-        <p:txBody>
-          <a:bodyPr/>
-          <a:lstStyle/>
-          <a:p>
-            <a:endParaRPr lang="en-US"/>
-          </a:p>
-        </p:txBody>
-      </p:sp>
     </p:spTree>
     <p:extLst>
       <p:ext uri="{BB962C8B-B14F-4D97-AF65-F5344CB8AC3E}">
@@ -3682,31 +3663,6 @@
           </a:p>
         </p:txBody>
       </p:sp>
-      <p:sp>
-        <p:nvSpPr>
-          <p:cNvPr id="3" name="Content Placeholder 2">
-            <a:extLst>
-              <a:ext uri="{FF2B5EF4-FFF2-40B4-BE49-F238E27FC236}">
-                <a16:creationId xmlns:a16="http://schemas.microsoft.com/office/drawing/2014/main" id="{B91677A9-590B-5340-B51B-AB13B7A45350}"/>
-              </a:ext>
-            </a:extLst>
-          </p:cNvPr>
-          <p:cNvSpPr>
-            <a:spLocks noGrp="1"/>
-          </p:cNvSpPr>
-          <p:nvPr>
-            <p:ph type="body" idx="1"/>
-          </p:nvPr>
-        </p:nvSpPr>
-        <p:spPr/>
-        <p:txBody>
-          <a:bodyPr/>
-          <a:lstStyle/>
-          <a:p>
-            <a:endParaRPr lang="en-US"/>
-          </a:p>
-        </p:txBody>
-      </p:sp>
     </p:spTree>
     <p:extLst>
       <p:ext uri="{BB962C8B-B14F-4D97-AF65-F5344CB8AC3E}">
@@ -3721,6 +3677,92 @@
 </file>
 
 <file path=ppt/slides/slide14.xml><?xml version="1.0" encoding="utf-8"?>
+<p:sld xmlns:a="http://schemas.openxmlformats.org/drawingml/2006/main" xmlns:r="http://schemas.openxmlformats.org/officeDocument/2006/relationships" xmlns:p="http://schemas.openxmlformats.org/presentationml/2006/main">
+  <p:cSld>
+    <p:spTree>
+      <p:nvGrpSpPr>
+        <p:cNvPr id="1" name=""/>
+        <p:cNvGrpSpPr/>
+        <p:nvPr/>
+      </p:nvGrpSpPr>
+      <p:grpSpPr>
+        <a:xfrm>
+          <a:off x="0" y="0"/>
+          <a:ext cx="0" cy="0"/>
+          <a:chOff x="0" y="0"/>
+          <a:chExt cx="0" cy="0"/>
+        </a:xfrm>
+      </p:grpSpPr>
+      <p:sp>
+        <p:nvSpPr>
+          <p:cNvPr id="4" name="Title 3">
+            <a:extLst>
+              <a:ext uri="{FF2B5EF4-FFF2-40B4-BE49-F238E27FC236}">
+                <a16:creationId xmlns:a16="http://schemas.microsoft.com/office/drawing/2014/main" id="{AE1582BC-5362-3848-9C41-3E4A2EB961A6}"/>
+              </a:ext>
+            </a:extLst>
+          </p:cNvPr>
+          <p:cNvSpPr>
+            <a:spLocks noGrp="1"/>
+          </p:cNvSpPr>
+          <p:nvPr>
+            <p:ph type="title"/>
+          </p:nvPr>
+        </p:nvSpPr>
+        <p:spPr/>
+        <p:txBody>
+          <a:bodyPr/>
+          <a:lstStyle/>
+          <a:p>
+            <a:r>
+              <a:rPr lang="en-US" dirty="0"/>
+              <a:t>Box plot</a:t>
+            </a:r>
+          </a:p>
+        </p:txBody>
+      </p:sp>
+      <p:pic>
+        <p:nvPicPr>
+          <p:cNvPr id="8" name="Picture 7">
+            <a:extLst>
+              <a:ext uri="{FF2B5EF4-FFF2-40B4-BE49-F238E27FC236}">
+                <a16:creationId xmlns:a16="http://schemas.microsoft.com/office/drawing/2014/main" id="{47758B81-337D-124F-9282-901A5367D0B1}"/>
+              </a:ext>
+            </a:extLst>
+          </p:cNvPr>
+          <p:cNvPicPr/>
+          <p:nvPr/>
+        </p:nvPicPr>
+        <p:blipFill>
+          <a:blip r:embed="rId2"/>
+          <a:stretch>
+            <a:fillRect/>
+          </a:stretch>
+        </p:blipFill>
+        <p:spPr>
+          <a:xfrm>
+            <a:off x="3103562" y="2317749"/>
+            <a:ext cx="5984875" cy="4206875"/>
+          </a:xfrm>
+          <a:prstGeom prst="rect">
+            <a:avLst/>
+          </a:prstGeom>
+        </p:spPr>
+      </p:pic>
+    </p:spTree>
+    <p:extLst>
+      <p:ext uri="{BB962C8B-B14F-4D97-AF65-F5344CB8AC3E}">
+        <p14:creationId xmlns:p14="http://schemas.microsoft.com/office/powerpoint/2010/main" val="2310364287"/>
+      </p:ext>
+    </p:extLst>
+  </p:cSld>
+  <p:clrMapOvr>
+    <a:masterClrMapping/>
+  </p:clrMapOvr>
+</p:sld>
+</file>
+
+<file path=ppt/slides/slide15.xml><?xml version="1.0" encoding="utf-8"?>
 <p:sld xmlns:a="http://schemas.openxmlformats.org/drawingml/2006/main" xmlns:r="http://schemas.openxmlformats.org/officeDocument/2006/relationships" xmlns:p="http://schemas.openxmlformats.org/presentationml/2006/main">
   <p:cSld>
     <p:spTree>
@@ -3806,7 +3848,7 @@
 </p:sld>
 </file>
 
-<file path=ppt/slides/slide15.xml><?xml version="1.0" encoding="utf-8"?>
+<file path=ppt/slides/slide16.xml><?xml version="1.0" encoding="utf-8"?>
 <p:sld xmlns:a="http://schemas.openxmlformats.org/drawingml/2006/main" xmlns:r="http://schemas.openxmlformats.org/officeDocument/2006/relationships" xmlns:p="http://schemas.openxmlformats.org/presentationml/2006/main">
   <p:cSld>
     <p:spTree>
@@ -3864,7 +3906,7 @@
           <p:nvPr>
             <p:extLst>
               <p:ext uri="{D42A27DB-BD31-4B8C-83A1-F6EECF244321}">
-                <p14:modId xmlns:p14="http://schemas.microsoft.com/office/powerpoint/2010/main" val="2560304083"/>
+                <p14:modId xmlns:p14="http://schemas.microsoft.com/office/powerpoint/2010/main" val="1800603170"/>
               </p:ext>
             </p:extLst>
           </p:nvPr>
@@ -4099,12 +4141,12 @@
                         </a:spcAft>
                       </a:pPr>
                       <a:r>
-                        <a:rPr lang="en-US" sz="2000">
+                        <a:rPr lang="en-US" sz="2000" dirty="0">
                           <a:effectLst/>
                         </a:rPr>
-                        <a:t>29.700831</a:t>
+                        <a:t>29.70</a:t>
                       </a:r>
-                      <a:endParaRPr lang="en-US" sz="2000">
+                      <a:endParaRPr lang="en-US" sz="2000" dirty="0">
                         <a:effectLst/>
                         <a:latin typeface="Calibri" panose="020F0502020204030204" pitchFamily="34" charset="0"/>
                         <a:ea typeface="Times New Roman" panose="02020603050405020304" pitchFamily="18" charset="0"/>
@@ -4164,12 +4206,12 @@
                         </a:spcAft>
                       </a:pPr>
                       <a:r>
-                        <a:rPr lang="en-US" sz="2000">
+                        <a:rPr lang="en-US" sz="2000" dirty="0">
                           <a:effectLst/>
                         </a:rPr>
                         <a:t>31</a:t>
                       </a:r>
-                      <a:endParaRPr lang="en-US" sz="2000">
+                      <a:endParaRPr lang="en-US" sz="2000" dirty="0">
                         <a:effectLst/>
                         <a:latin typeface="Calibri" panose="020F0502020204030204" pitchFamily="34" charset="0"/>
                         <a:ea typeface="Times New Roman" panose="02020603050405020304" pitchFamily="18" charset="0"/>
@@ -4229,12 +4271,12 @@
                         </a:spcAft>
                       </a:pPr>
                       <a:r>
-                        <a:rPr lang="en-US" sz="2000">
+                        <a:rPr lang="en-US" sz="2000" dirty="0">
                           <a:effectLst/>
                         </a:rPr>
-                        <a:t>13.16368</a:t>
+                        <a:t>13.16</a:t>
                       </a:r>
-                      <a:endParaRPr lang="en-US" sz="2000">
+                      <a:endParaRPr lang="en-US" sz="2000" dirty="0">
                         <a:effectLst/>
                         <a:latin typeface="Calibri" panose="020F0502020204030204" pitchFamily="34" charset="0"/>
                         <a:ea typeface="Times New Roman" panose="02020603050405020304" pitchFamily="18" charset="0"/>
@@ -4397,7 +4439,7 @@
           <p:nvPr>
             <p:extLst>
               <p:ext uri="{D42A27DB-BD31-4B8C-83A1-F6EECF244321}">
-                <p14:modId xmlns:p14="http://schemas.microsoft.com/office/powerpoint/2010/main" val="4079007699"/>
+                <p14:modId xmlns:p14="http://schemas.microsoft.com/office/powerpoint/2010/main" val="1766202601"/>
               </p:ext>
             </p:extLst>
           </p:nvPr>
@@ -4632,12 +4674,12 @@
                         </a:spcAft>
                       </a:pPr>
                       <a:r>
-                        <a:rPr lang="en-US" sz="2000">
+                        <a:rPr lang="en-US" sz="2000" dirty="0">
                           <a:effectLst/>
                         </a:rPr>
-                        <a:t>39.936288</a:t>
+                        <a:t>39.94</a:t>
                       </a:r>
-                      <a:endParaRPr lang="en-US" sz="2000">
+                      <a:endParaRPr lang="en-US" sz="2000" dirty="0">
                         <a:effectLst/>
                         <a:latin typeface="Calibri" panose="020F0502020204030204" pitchFamily="34" charset="0"/>
                         <a:ea typeface="Times New Roman" panose="02020603050405020304" pitchFamily="18" charset="0"/>
@@ -4697,12 +4739,12 @@
                         </a:spcAft>
                       </a:pPr>
                       <a:r>
-                        <a:rPr lang="en-US" sz="2000">
+                        <a:rPr lang="en-US" sz="2000" dirty="0">
                           <a:effectLst/>
                         </a:rPr>
                         <a:t>40</a:t>
                       </a:r>
-                      <a:endParaRPr lang="en-US" sz="2000">
+                      <a:endParaRPr lang="en-US" sz="2000" dirty="0">
                         <a:effectLst/>
                         <a:latin typeface="Calibri" panose="020F0502020204030204" pitchFamily="34" charset="0"/>
                         <a:ea typeface="Times New Roman" panose="02020603050405020304" pitchFamily="18" charset="0"/>
@@ -4762,12 +4804,12 @@
                         </a:spcAft>
                       </a:pPr>
                       <a:r>
-                        <a:rPr lang="en-US" sz="2000">
+                        <a:rPr lang="en-US" sz="2000" dirty="0">
                           <a:effectLst/>
                         </a:rPr>
-                        <a:t>10.420004</a:t>
+                        <a:t>10.42</a:t>
                       </a:r>
-                      <a:endParaRPr lang="en-US" sz="2000">
+                      <a:endParaRPr lang="en-US" sz="2000" dirty="0">
                         <a:effectLst/>
                         <a:latin typeface="Calibri" panose="020F0502020204030204" pitchFamily="34" charset="0"/>
                         <a:ea typeface="Times New Roman" panose="02020603050405020304" pitchFamily="18" charset="0"/>
@@ -4827,12 +4869,12 @@
                         </a:spcAft>
                       </a:pPr>
                       <a:r>
-                        <a:rPr lang="en-US" sz="2000">
+                        <a:rPr lang="en-US" sz="2000" dirty="0">
                           <a:effectLst/>
                         </a:rPr>
                         <a:t>7</a:t>
                       </a:r>
-                      <a:endParaRPr lang="en-US" sz="2000">
+                      <a:endParaRPr lang="en-US" sz="2000" dirty="0">
                         <a:effectLst/>
                         <a:latin typeface="Calibri" panose="020F0502020204030204" pitchFamily="34" charset="0"/>
                         <a:ea typeface="Times New Roman" panose="02020603050405020304" pitchFamily="18" charset="0"/>
@@ -4921,89 +4963,6 @@
     <p:extLst>
       <p:ext uri="{BB962C8B-B14F-4D97-AF65-F5344CB8AC3E}">
         <p14:creationId xmlns:p14="http://schemas.microsoft.com/office/powerpoint/2010/main" val="2047555011"/>
-      </p:ext>
-    </p:extLst>
-  </p:cSld>
-  <p:clrMapOvr>
-    <a:masterClrMapping/>
-  </p:clrMapOvr>
-</p:sld>
-</file>
-
-<file path=ppt/slides/slide16.xml><?xml version="1.0" encoding="utf-8"?>
-<p:sld xmlns:a="http://schemas.openxmlformats.org/drawingml/2006/main" xmlns:r="http://schemas.openxmlformats.org/officeDocument/2006/relationships" xmlns:p="http://schemas.openxmlformats.org/presentationml/2006/main">
-  <p:cSld>
-    <p:spTree>
-      <p:nvGrpSpPr>
-        <p:cNvPr id="1" name=""/>
-        <p:cNvGrpSpPr/>
-        <p:nvPr/>
-      </p:nvGrpSpPr>
-      <p:grpSpPr>
-        <a:xfrm>
-          <a:off x="0" y="0"/>
-          <a:ext cx="0" cy="0"/>
-          <a:chOff x="0" y="0"/>
-          <a:chExt cx="0" cy="0"/>
-        </a:xfrm>
-      </p:grpSpPr>
-      <p:sp>
-        <p:nvSpPr>
-          <p:cNvPr id="2" name="Title 1">
-            <a:extLst>
-              <a:ext uri="{FF2B5EF4-FFF2-40B4-BE49-F238E27FC236}">
-                <a16:creationId xmlns:a16="http://schemas.microsoft.com/office/drawing/2014/main" id="{E62D41C3-0A65-5C4B-AEDE-9AB86657CD67}"/>
-              </a:ext>
-            </a:extLst>
-          </p:cNvPr>
-          <p:cNvSpPr>
-            <a:spLocks noGrp="1"/>
-          </p:cNvSpPr>
-          <p:nvPr>
-            <p:ph type="title"/>
-          </p:nvPr>
-        </p:nvSpPr>
-        <p:spPr/>
-        <p:txBody>
-          <a:bodyPr/>
-          <a:lstStyle/>
-          <a:p>
-            <a:r>
-              <a:rPr lang="en-US" dirty="0"/>
-              <a:t>Test again</a:t>
-            </a:r>
-          </a:p>
-        </p:txBody>
-      </p:sp>
-      <p:sp>
-        <p:nvSpPr>
-          <p:cNvPr id="3" name="Content Placeholder 2">
-            <a:extLst>
-              <a:ext uri="{FF2B5EF4-FFF2-40B4-BE49-F238E27FC236}">
-                <a16:creationId xmlns:a16="http://schemas.microsoft.com/office/drawing/2014/main" id="{36DB6BAE-E91C-D04B-BE20-746522905D24}"/>
-              </a:ext>
-            </a:extLst>
-          </p:cNvPr>
-          <p:cNvSpPr>
-            <a:spLocks noGrp="1"/>
-          </p:cNvSpPr>
-          <p:nvPr>
-            <p:ph type="body" idx="1"/>
-          </p:nvPr>
-        </p:nvSpPr>
-        <p:spPr/>
-        <p:txBody>
-          <a:bodyPr/>
-          <a:lstStyle/>
-          <a:p>
-            <a:endParaRPr lang="en-US"/>
-          </a:p>
-        </p:txBody>
-      </p:sp>
-    </p:spTree>
-    <p:extLst>
-      <p:ext uri="{BB962C8B-B14F-4D97-AF65-F5344CB8AC3E}">
-        <p14:creationId xmlns:p14="http://schemas.microsoft.com/office/powerpoint/2010/main" val="20774553"/>
       </p:ext>
     </p:extLst>
   </p:cSld>
@@ -5035,7 +4994,7 @@
           <p:cNvPr id="2" name="Title 1">
             <a:extLst>
               <a:ext uri="{FF2B5EF4-FFF2-40B4-BE49-F238E27FC236}">
-                <a16:creationId xmlns:a16="http://schemas.microsoft.com/office/drawing/2014/main" id="{C3FEB6D5-62BE-1A42-BB23-12F31D73BB0A}"/>
+                <a16:creationId xmlns:a16="http://schemas.microsoft.com/office/drawing/2014/main" id="{F6A8BC7E-06ED-F74E-95BC-D99633F25C5A}"/>
               </a:ext>
             </a:extLst>
           </p:cNvPr>
@@ -5053,58 +5012,1051 @@
           <a:p>
             <a:r>
               <a:rPr lang="en-US" dirty="0"/>
-              <a:t>Winter test</a:t>
-            </a:r>
-          </a:p>
-        </p:txBody>
-      </p:sp>
-      <p:sp>
-        <p:nvSpPr>
-          <p:cNvPr id="3" name="Content Placeholder 2">
+              <a:t>Summer descriptive statistics</a:t>
+            </a:r>
+          </a:p>
+        </p:txBody>
+      </p:sp>
+      <p:graphicFrame>
+        <p:nvGraphicFramePr>
+          <p:cNvPr id="5" name="Table 4">
             <a:extLst>
               <a:ext uri="{FF2B5EF4-FFF2-40B4-BE49-F238E27FC236}">
-                <a16:creationId xmlns:a16="http://schemas.microsoft.com/office/drawing/2014/main" id="{E279C17F-94A8-C14E-BD0B-2DD9A27A6A2D}"/>
+                <a16:creationId xmlns:a16="http://schemas.microsoft.com/office/drawing/2014/main" id="{E981C04B-8394-0D45-9DD2-4BEE37060808}"/>
               </a:ext>
             </a:extLst>
           </p:cNvPr>
-          <p:cNvSpPr>
-            <a:spLocks noGrp="1"/>
-          </p:cNvSpPr>
-          <p:nvPr>
-            <p:ph idx="1"/>
-          </p:nvPr>
-        </p:nvSpPr>
-        <p:spPr/>
-        <p:txBody>
-          <a:bodyPr/>
-          <a:lstStyle/>
-          <a:p>
-            <a:r>
-              <a:rPr lang="en-US" sz="2400" dirty="0"/>
-              <a:t>Two sample Z test</a:t>
-            </a:r>
-          </a:p>
-          <a:p>
-            <a:r>
-              <a:rPr lang="en-US" sz="2400" dirty="0"/>
-              <a:t>Population distribution unknown, but because sample size is large can assume normal by central limit theorem</a:t>
-            </a:r>
-          </a:p>
-          <a:p>
-            <a:r>
-              <a:rPr lang="en-US" sz="2400" dirty="0"/>
-              <a:t>95% confidence</a:t>
-            </a:r>
-          </a:p>
-          <a:p>
-            <a:endParaRPr lang="en-US" dirty="0"/>
-          </a:p>
-        </p:txBody>
-      </p:sp>
+          <p:cNvGraphicFramePr/>
+          <p:nvPr>
+            <p:extLst>
+              <p:ext uri="{D42A27DB-BD31-4B8C-83A1-F6EECF244321}">
+                <p14:modId xmlns:p14="http://schemas.microsoft.com/office/powerpoint/2010/main" val="2190263381"/>
+              </p:ext>
+            </p:extLst>
+          </p:nvPr>
+        </p:nvGraphicFramePr>
+        <p:xfrm>
+          <a:off x="1242020" y="2478276"/>
+          <a:ext cx="4585646" cy="3818574"/>
+        </p:xfrm>
+        <a:graphic>
+          <a:graphicData uri="http://schemas.openxmlformats.org/drawingml/2006/table">
+            <a:tbl>
+              <a:tblPr firstRow="1" firstCol="1" bandRow="1">
+                <a:tableStyleId>{5C22544A-7EE6-4342-B048-85BDC9FD1C3A}</a:tableStyleId>
+              </a:tblPr>
+              <a:tblGrid>
+                <a:gridCol w="2292823">
+                  <a:extLst>
+                    <a:ext uri="{9D8B030D-6E8A-4147-A177-3AD203B41FA5}">
+                      <a16:colId xmlns:a16="http://schemas.microsoft.com/office/drawing/2014/main" val="1346830769"/>
+                    </a:ext>
+                  </a:extLst>
+                </a:gridCol>
+                <a:gridCol w="2292823">
+                  <a:extLst>
+                    <a:ext uri="{9D8B030D-6E8A-4147-A177-3AD203B41FA5}">
+                      <a16:colId xmlns:a16="http://schemas.microsoft.com/office/drawing/2014/main" val="519785049"/>
+                    </a:ext>
+                  </a:extLst>
+                </a:gridCol>
+              </a:tblGrid>
+              <a:tr h="426879">
+                <a:tc gridSpan="2">
+                  <a:txBody>
+                    <a:bodyPr/>
+                    <a:lstStyle/>
+                    <a:p>
+                      <a:pPr marL="0" marR="0" algn="ctr">
+                        <a:spcBef>
+                          <a:spcPts val="0"/>
+                        </a:spcBef>
+                        <a:spcAft>
+                          <a:spcPts val="0"/>
+                        </a:spcAft>
+                      </a:pPr>
+                      <a:r>
+                        <a:rPr lang="en-US" sz="2000" dirty="0">
+                          <a:effectLst/>
+                        </a:rPr>
+                        <a:t>Descriptive Statistics for Akron Summer</a:t>
+                      </a:r>
+                      <a:endParaRPr lang="en-US" sz="2000" dirty="0">
+                        <a:effectLst/>
+                        <a:latin typeface="Calibri" panose="020F0502020204030204" pitchFamily="34" charset="0"/>
+                        <a:ea typeface="Times New Roman" panose="02020603050405020304" pitchFamily="18" charset="0"/>
+                        <a:cs typeface="Times New Roman" panose="02020603050405020304" pitchFamily="18" charset="0"/>
+                      </a:endParaRPr>
+                    </a:p>
+                  </a:txBody>
+                  <a:tcPr marL="9525" marR="9525" marT="9525" marB="9525" anchor="b"/>
+                </a:tc>
+                <a:tc hMerge="1">
+                  <a:txBody>
+                    <a:bodyPr/>
+                    <a:lstStyle/>
+                    <a:p>
+                      <a:endParaRPr lang="en-US"/>
+                    </a:p>
+                  </a:txBody>
+                  <a:tcPr/>
+                </a:tc>
+                <a:extLst>
+                  <a:ext uri="{0D108BD9-81ED-4DB2-BD59-A6C34878D82A}">
+                    <a16:rowId xmlns:a16="http://schemas.microsoft.com/office/drawing/2014/main" val="2472526061"/>
+                  </a:ext>
+                </a:extLst>
+              </a:tr>
+              <a:tr h="426879">
+                <a:tc>
+                  <a:txBody>
+                    <a:bodyPr/>
+                    <a:lstStyle/>
+                    <a:p>
+                      <a:endParaRPr lang="en-US" sz="2000">
+                        <a:effectLst/>
+                        <a:latin typeface="Calibri" panose="020F0502020204030204" pitchFamily="34" charset="0"/>
+                      </a:endParaRPr>
+                    </a:p>
+                  </a:txBody>
+                  <a:tcPr marL="9525" marR="9525" marT="9525" marB="9525" anchor="b"/>
+                </a:tc>
+                <a:tc>
+                  <a:txBody>
+                    <a:bodyPr/>
+                    <a:lstStyle/>
+                    <a:p>
+                      <a:pPr marL="0" marR="0">
+                        <a:spcBef>
+                          <a:spcPts val="0"/>
+                        </a:spcBef>
+                        <a:spcAft>
+                          <a:spcPts val="0"/>
+                        </a:spcAft>
+                      </a:pPr>
+                      <a:r>
+                        <a:rPr lang="en-US" sz="2000" dirty="0">
+                          <a:effectLst/>
+                        </a:rPr>
+                        <a:t>TAVG</a:t>
+                      </a:r>
+                      <a:endParaRPr lang="en-US" sz="2000" dirty="0">
+                        <a:effectLst/>
+                        <a:latin typeface="Calibri" panose="020F0502020204030204" pitchFamily="34" charset="0"/>
+                        <a:ea typeface="Times New Roman" panose="02020603050405020304" pitchFamily="18" charset="0"/>
+                        <a:cs typeface="Times New Roman" panose="02020603050405020304" pitchFamily="18" charset="0"/>
+                      </a:endParaRPr>
+                    </a:p>
+                  </a:txBody>
+                  <a:tcPr marL="9525" marR="9525" marT="9525" marB="9525" anchor="b"/>
+                </a:tc>
+                <a:extLst>
+                  <a:ext uri="{0D108BD9-81ED-4DB2-BD59-A6C34878D82A}">
+                    <a16:rowId xmlns:a16="http://schemas.microsoft.com/office/drawing/2014/main" val="1436913523"/>
+                  </a:ext>
+                </a:extLst>
+              </a:tr>
+              <a:tr h="426879">
+                <a:tc>
+                  <a:txBody>
+                    <a:bodyPr/>
+                    <a:lstStyle/>
+                    <a:p>
+                      <a:pPr marL="0" marR="0">
+                        <a:spcBef>
+                          <a:spcPts val="0"/>
+                        </a:spcBef>
+                        <a:spcAft>
+                          <a:spcPts val="0"/>
+                        </a:spcAft>
+                      </a:pPr>
+                      <a:r>
+                        <a:rPr lang="en-US" sz="2000">
+                          <a:effectLst/>
+                        </a:rPr>
+                        <a:t>Observations</a:t>
+                      </a:r>
+                      <a:endParaRPr lang="en-US" sz="2000">
+                        <a:effectLst/>
+                        <a:latin typeface="Calibri" panose="020F0502020204030204" pitchFamily="34" charset="0"/>
+                        <a:ea typeface="Times New Roman" panose="02020603050405020304" pitchFamily="18" charset="0"/>
+                        <a:cs typeface="Times New Roman" panose="02020603050405020304" pitchFamily="18" charset="0"/>
+                      </a:endParaRPr>
+                    </a:p>
+                  </a:txBody>
+                  <a:tcPr marL="9525" marR="9525" marT="9525" marB="9525" anchor="b"/>
+                </a:tc>
+                <a:tc>
+                  <a:txBody>
+                    <a:bodyPr/>
+                    <a:lstStyle/>
+                    <a:p>
+                      <a:pPr marL="0" marR="0" algn="r">
+                        <a:spcBef>
+                          <a:spcPts val="0"/>
+                        </a:spcBef>
+                        <a:spcAft>
+                          <a:spcPts val="0"/>
+                        </a:spcAft>
+                      </a:pPr>
+                      <a:r>
+                        <a:rPr lang="en-US" sz="2000" dirty="0">
+                          <a:effectLst/>
+                        </a:rPr>
+                        <a:t>368</a:t>
+                      </a:r>
+                      <a:endParaRPr lang="en-US" sz="2000" dirty="0">
+                        <a:effectLst/>
+                        <a:latin typeface="Calibri" panose="020F0502020204030204" pitchFamily="34" charset="0"/>
+                        <a:ea typeface="Times New Roman" panose="02020603050405020304" pitchFamily="18" charset="0"/>
+                        <a:cs typeface="Times New Roman" panose="02020603050405020304" pitchFamily="18" charset="0"/>
+                      </a:endParaRPr>
+                    </a:p>
+                  </a:txBody>
+                  <a:tcPr marL="9525" marR="9525" marT="9525" marB="9525" anchor="b"/>
+                </a:tc>
+                <a:extLst>
+                  <a:ext uri="{0D108BD9-81ED-4DB2-BD59-A6C34878D82A}">
+                    <a16:rowId xmlns:a16="http://schemas.microsoft.com/office/drawing/2014/main" val="3649528894"/>
+                  </a:ext>
+                </a:extLst>
+              </a:tr>
+              <a:tr h="426879">
+                <a:tc>
+                  <a:txBody>
+                    <a:bodyPr/>
+                    <a:lstStyle/>
+                    <a:p>
+                      <a:pPr marL="0" marR="0">
+                        <a:spcBef>
+                          <a:spcPts val="0"/>
+                        </a:spcBef>
+                        <a:spcAft>
+                          <a:spcPts val="0"/>
+                        </a:spcAft>
+                      </a:pPr>
+                      <a:r>
+                        <a:rPr lang="en-US" sz="2000">
+                          <a:effectLst/>
+                        </a:rPr>
+                        <a:t>Mean</a:t>
+                      </a:r>
+                      <a:endParaRPr lang="en-US" sz="2000">
+                        <a:effectLst/>
+                        <a:latin typeface="Calibri" panose="020F0502020204030204" pitchFamily="34" charset="0"/>
+                        <a:ea typeface="Times New Roman" panose="02020603050405020304" pitchFamily="18" charset="0"/>
+                        <a:cs typeface="Times New Roman" panose="02020603050405020304" pitchFamily="18" charset="0"/>
+                      </a:endParaRPr>
+                    </a:p>
+                  </a:txBody>
+                  <a:tcPr marL="9525" marR="9525" marT="9525" marB="9525" anchor="b"/>
+                </a:tc>
+                <a:tc>
+                  <a:txBody>
+                    <a:bodyPr/>
+                    <a:lstStyle/>
+                    <a:p>
+                      <a:pPr marL="0" marR="0" algn="r">
+                        <a:spcBef>
+                          <a:spcPts val="0"/>
+                        </a:spcBef>
+                        <a:spcAft>
+                          <a:spcPts val="0"/>
+                        </a:spcAft>
+                      </a:pPr>
+                      <a:r>
+                        <a:rPr lang="en-US" sz="2000" dirty="0">
+                          <a:effectLst/>
+                          <a:latin typeface="Calibri" panose="020F0502020204030204" pitchFamily="34" charset="0"/>
+                          <a:ea typeface="Times New Roman" panose="02020603050405020304" pitchFamily="18" charset="0"/>
+                          <a:cs typeface="Times New Roman" panose="02020603050405020304" pitchFamily="18" charset="0"/>
+                        </a:rPr>
+                        <a:t>71.77</a:t>
+                      </a:r>
+                    </a:p>
+                  </a:txBody>
+                  <a:tcPr marL="9525" marR="9525" marT="9525" marB="9525" anchor="b"/>
+                </a:tc>
+                <a:extLst>
+                  <a:ext uri="{0D108BD9-81ED-4DB2-BD59-A6C34878D82A}">
+                    <a16:rowId xmlns:a16="http://schemas.microsoft.com/office/drawing/2014/main" val="1163179727"/>
+                  </a:ext>
+                </a:extLst>
+              </a:tr>
+              <a:tr h="426879">
+                <a:tc>
+                  <a:txBody>
+                    <a:bodyPr/>
+                    <a:lstStyle/>
+                    <a:p>
+                      <a:pPr marL="0" marR="0">
+                        <a:spcBef>
+                          <a:spcPts val="0"/>
+                        </a:spcBef>
+                        <a:spcAft>
+                          <a:spcPts val="0"/>
+                        </a:spcAft>
+                      </a:pPr>
+                      <a:r>
+                        <a:rPr lang="en-US" sz="2000">
+                          <a:effectLst/>
+                        </a:rPr>
+                        <a:t>Median</a:t>
+                      </a:r>
+                      <a:endParaRPr lang="en-US" sz="2000">
+                        <a:effectLst/>
+                        <a:latin typeface="Calibri" panose="020F0502020204030204" pitchFamily="34" charset="0"/>
+                        <a:ea typeface="Times New Roman" panose="02020603050405020304" pitchFamily="18" charset="0"/>
+                        <a:cs typeface="Times New Roman" panose="02020603050405020304" pitchFamily="18" charset="0"/>
+                      </a:endParaRPr>
+                    </a:p>
+                  </a:txBody>
+                  <a:tcPr marL="9525" marR="9525" marT="9525" marB="9525" anchor="b"/>
+                </a:tc>
+                <a:tc>
+                  <a:txBody>
+                    <a:bodyPr/>
+                    <a:lstStyle/>
+                    <a:p>
+                      <a:pPr marL="0" marR="0" algn="r">
+                        <a:spcBef>
+                          <a:spcPts val="0"/>
+                        </a:spcBef>
+                        <a:spcAft>
+                          <a:spcPts val="0"/>
+                        </a:spcAft>
+                      </a:pPr>
+                      <a:r>
+                        <a:rPr lang="en-US" sz="2000" dirty="0">
+                          <a:effectLst/>
+                          <a:latin typeface="Calibri" panose="020F0502020204030204" pitchFamily="34" charset="0"/>
+                          <a:ea typeface="Times New Roman" panose="02020603050405020304" pitchFamily="18" charset="0"/>
+                          <a:cs typeface="Times New Roman" panose="02020603050405020304" pitchFamily="18" charset="0"/>
+                        </a:rPr>
+                        <a:t>72</a:t>
+                      </a:r>
+                    </a:p>
+                  </a:txBody>
+                  <a:tcPr marL="9525" marR="9525" marT="9525" marB="9525" anchor="b"/>
+                </a:tc>
+                <a:extLst>
+                  <a:ext uri="{0D108BD9-81ED-4DB2-BD59-A6C34878D82A}">
+                    <a16:rowId xmlns:a16="http://schemas.microsoft.com/office/drawing/2014/main" val="2666479075"/>
+                  </a:ext>
+                </a:extLst>
+              </a:tr>
+              <a:tr h="426879">
+                <a:tc>
+                  <a:txBody>
+                    <a:bodyPr/>
+                    <a:lstStyle/>
+                    <a:p>
+                      <a:pPr marL="0" marR="0">
+                        <a:spcBef>
+                          <a:spcPts val="0"/>
+                        </a:spcBef>
+                        <a:spcAft>
+                          <a:spcPts val="0"/>
+                        </a:spcAft>
+                      </a:pPr>
+                      <a:r>
+                        <a:rPr lang="en-US" sz="2000">
+                          <a:effectLst/>
+                        </a:rPr>
+                        <a:t>Standard Deviation</a:t>
+                      </a:r>
+                      <a:endParaRPr lang="en-US" sz="2000">
+                        <a:effectLst/>
+                        <a:latin typeface="Calibri" panose="020F0502020204030204" pitchFamily="34" charset="0"/>
+                        <a:ea typeface="Times New Roman" panose="02020603050405020304" pitchFamily="18" charset="0"/>
+                        <a:cs typeface="Times New Roman" panose="02020603050405020304" pitchFamily="18" charset="0"/>
+                      </a:endParaRPr>
+                    </a:p>
+                  </a:txBody>
+                  <a:tcPr marL="9525" marR="9525" marT="9525" marB="9525" anchor="b"/>
+                </a:tc>
+                <a:tc>
+                  <a:txBody>
+                    <a:bodyPr/>
+                    <a:lstStyle/>
+                    <a:p>
+                      <a:pPr marL="0" marR="0" algn="r">
+                        <a:spcBef>
+                          <a:spcPts val="0"/>
+                        </a:spcBef>
+                        <a:spcAft>
+                          <a:spcPts val="0"/>
+                        </a:spcAft>
+                      </a:pPr>
+                      <a:r>
+                        <a:rPr lang="en-US" sz="2000" dirty="0">
+                          <a:effectLst/>
+                          <a:latin typeface="Calibri" panose="020F0502020204030204" pitchFamily="34" charset="0"/>
+                          <a:ea typeface="Times New Roman" panose="02020603050405020304" pitchFamily="18" charset="0"/>
+                          <a:cs typeface="Times New Roman" panose="02020603050405020304" pitchFamily="18" charset="0"/>
+                        </a:rPr>
+                        <a:t>5.22</a:t>
+                      </a:r>
+                    </a:p>
+                  </a:txBody>
+                  <a:tcPr marL="9525" marR="9525" marT="9525" marB="9525" anchor="b"/>
+                </a:tc>
+                <a:extLst>
+                  <a:ext uri="{0D108BD9-81ED-4DB2-BD59-A6C34878D82A}">
+                    <a16:rowId xmlns:a16="http://schemas.microsoft.com/office/drawing/2014/main" val="502609734"/>
+                  </a:ext>
+                </a:extLst>
+              </a:tr>
+              <a:tr h="426879">
+                <a:tc>
+                  <a:txBody>
+                    <a:bodyPr/>
+                    <a:lstStyle/>
+                    <a:p>
+                      <a:pPr marL="0" marR="0">
+                        <a:spcBef>
+                          <a:spcPts val="0"/>
+                        </a:spcBef>
+                        <a:spcAft>
+                          <a:spcPts val="0"/>
+                        </a:spcAft>
+                      </a:pPr>
+                      <a:r>
+                        <a:rPr lang="en-US" sz="2000">
+                          <a:effectLst/>
+                        </a:rPr>
+                        <a:t>Minimum</a:t>
+                      </a:r>
+                      <a:endParaRPr lang="en-US" sz="2000">
+                        <a:effectLst/>
+                        <a:latin typeface="Calibri" panose="020F0502020204030204" pitchFamily="34" charset="0"/>
+                        <a:ea typeface="Times New Roman" panose="02020603050405020304" pitchFamily="18" charset="0"/>
+                        <a:cs typeface="Times New Roman" panose="02020603050405020304" pitchFamily="18" charset="0"/>
+                      </a:endParaRPr>
+                    </a:p>
+                  </a:txBody>
+                  <a:tcPr marL="9525" marR="9525" marT="9525" marB="9525" anchor="b"/>
+                </a:tc>
+                <a:tc>
+                  <a:txBody>
+                    <a:bodyPr/>
+                    <a:lstStyle/>
+                    <a:p>
+                      <a:pPr marL="0" marR="0" algn="r">
+                        <a:spcBef>
+                          <a:spcPts val="0"/>
+                        </a:spcBef>
+                        <a:spcAft>
+                          <a:spcPts val="0"/>
+                        </a:spcAft>
+                      </a:pPr>
+                      <a:r>
+                        <a:rPr lang="en-US" sz="2000" dirty="0">
+                          <a:effectLst/>
+                          <a:latin typeface="Calibri" panose="020F0502020204030204" pitchFamily="34" charset="0"/>
+                          <a:ea typeface="Times New Roman" panose="02020603050405020304" pitchFamily="18" charset="0"/>
+                          <a:cs typeface="Times New Roman" panose="02020603050405020304" pitchFamily="18" charset="0"/>
+                        </a:rPr>
+                        <a:t>50</a:t>
+                      </a:r>
+                    </a:p>
+                  </a:txBody>
+                  <a:tcPr marL="9525" marR="9525" marT="9525" marB="9525" anchor="b"/>
+                </a:tc>
+                <a:extLst>
+                  <a:ext uri="{0D108BD9-81ED-4DB2-BD59-A6C34878D82A}">
+                    <a16:rowId xmlns:a16="http://schemas.microsoft.com/office/drawing/2014/main" val="1468979741"/>
+                  </a:ext>
+                </a:extLst>
+              </a:tr>
+              <a:tr h="426879">
+                <a:tc>
+                  <a:txBody>
+                    <a:bodyPr/>
+                    <a:lstStyle/>
+                    <a:p>
+                      <a:pPr marL="0" marR="0">
+                        <a:spcBef>
+                          <a:spcPts val="0"/>
+                        </a:spcBef>
+                        <a:spcAft>
+                          <a:spcPts val="0"/>
+                        </a:spcAft>
+                      </a:pPr>
+                      <a:r>
+                        <a:rPr lang="en-US" sz="2000">
+                          <a:effectLst/>
+                        </a:rPr>
+                        <a:t>Maximum</a:t>
+                      </a:r>
+                      <a:endParaRPr lang="en-US" sz="2000">
+                        <a:effectLst/>
+                        <a:latin typeface="Calibri" panose="020F0502020204030204" pitchFamily="34" charset="0"/>
+                        <a:ea typeface="Times New Roman" panose="02020603050405020304" pitchFamily="18" charset="0"/>
+                        <a:cs typeface="Times New Roman" panose="02020603050405020304" pitchFamily="18" charset="0"/>
+                      </a:endParaRPr>
+                    </a:p>
+                  </a:txBody>
+                  <a:tcPr marL="9525" marR="9525" marT="9525" marB="9525" anchor="b"/>
+                </a:tc>
+                <a:tc>
+                  <a:txBody>
+                    <a:bodyPr/>
+                    <a:lstStyle/>
+                    <a:p>
+                      <a:pPr marL="0" marR="0" algn="r">
+                        <a:spcBef>
+                          <a:spcPts val="0"/>
+                        </a:spcBef>
+                        <a:spcAft>
+                          <a:spcPts val="0"/>
+                        </a:spcAft>
+                      </a:pPr>
+                      <a:r>
+                        <a:rPr lang="en-US" sz="2000" dirty="0">
+                          <a:effectLst/>
+                          <a:latin typeface="Calibri" panose="020F0502020204030204" pitchFamily="34" charset="0"/>
+                          <a:ea typeface="Times New Roman" panose="02020603050405020304" pitchFamily="18" charset="0"/>
+                          <a:cs typeface="Times New Roman" panose="02020603050405020304" pitchFamily="18" charset="0"/>
+                        </a:rPr>
+                        <a:t>83</a:t>
+                      </a:r>
+                    </a:p>
+                  </a:txBody>
+                  <a:tcPr marL="9525" marR="9525" marT="9525" marB="9525" anchor="b"/>
+                </a:tc>
+                <a:extLst>
+                  <a:ext uri="{0D108BD9-81ED-4DB2-BD59-A6C34878D82A}">
+                    <a16:rowId xmlns:a16="http://schemas.microsoft.com/office/drawing/2014/main" val="529308185"/>
+                  </a:ext>
+                </a:extLst>
+              </a:tr>
+            </a:tbl>
+          </a:graphicData>
+        </a:graphic>
+      </p:graphicFrame>
+      <p:graphicFrame>
+        <p:nvGraphicFramePr>
+          <p:cNvPr id="9" name="Table 8">
+            <a:extLst>
+              <a:ext uri="{FF2B5EF4-FFF2-40B4-BE49-F238E27FC236}">
+                <a16:creationId xmlns:a16="http://schemas.microsoft.com/office/drawing/2014/main" id="{B0678B69-2427-CB45-B4E7-06784E309634}"/>
+              </a:ext>
+            </a:extLst>
+          </p:cNvPr>
+          <p:cNvGraphicFramePr/>
+          <p:nvPr>
+            <p:extLst>
+              <p:ext uri="{D42A27DB-BD31-4B8C-83A1-F6EECF244321}">
+                <p14:modId xmlns:p14="http://schemas.microsoft.com/office/powerpoint/2010/main" val="3438889137"/>
+              </p:ext>
+            </p:extLst>
+          </p:nvPr>
+        </p:nvGraphicFramePr>
+        <p:xfrm>
+          <a:off x="6364335" y="2478274"/>
+          <a:ext cx="4585646" cy="3818574"/>
+        </p:xfrm>
+        <a:graphic>
+          <a:graphicData uri="http://schemas.openxmlformats.org/drawingml/2006/table">
+            <a:tbl>
+              <a:tblPr firstRow="1" firstCol="1" bandRow="1">
+                <a:tableStyleId>{5C22544A-7EE6-4342-B048-85BDC9FD1C3A}</a:tableStyleId>
+              </a:tblPr>
+              <a:tblGrid>
+                <a:gridCol w="2292823">
+                  <a:extLst>
+                    <a:ext uri="{9D8B030D-6E8A-4147-A177-3AD203B41FA5}">
+                      <a16:colId xmlns:a16="http://schemas.microsoft.com/office/drawing/2014/main" val="439082584"/>
+                    </a:ext>
+                  </a:extLst>
+                </a:gridCol>
+                <a:gridCol w="2292823">
+                  <a:extLst>
+                    <a:ext uri="{9D8B030D-6E8A-4147-A177-3AD203B41FA5}">
+                      <a16:colId xmlns:a16="http://schemas.microsoft.com/office/drawing/2014/main" val="3526715626"/>
+                    </a:ext>
+                  </a:extLst>
+                </a:gridCol>
+              </a:tblGrid>
+              <a:tr h="629163">
+                <a:tc gridSpan="2">
+                  <a:txBody>
+                    <a:bodyPr/>
+                    <a:lstStyle/>
+                    <a:p>
+                      <a:pPr marL="0" marR="0" algn="ctr">
+                        <a:spcBef>
+                          <a:spcPts val="0"/>
+                        </a:spcBef>
+                        <a:spcAft>
+                          <a:spcPts val="0"/>
+                        </a:spcAft>
+                      </a:pPr>
+                      <a:r>
+                        <a:rPr lang="en-US" sz="2000" dirty="0">
+                          <a:effectLst/>
+                        </a:rPr>
+                        <a:t>Descriptive Statistics For Asheville Summer</a:t>
+                      </a:r>
+                      <a:endParaRPr lang="en-US" sz="2000" dirty="0">
+                        <a:effectLst/>
+                        <a:latin typeface="Calibri" panose="020F0502020204030204" pitchFamily="34" charset="0"/>
+                        <a:ea typeface="Times New Roman" panose="02020603050405020304" pitchFamily="18" charset="0"/>
+                        <a:cs typeface="Times New Roman" panose="02020603050405020304" pitchFamily="18" charset="0"/>
+                      </a:endParaRPr>
+                    </a:p>
+                  </a:txBody>
+                  <a:tcPr marL="9525" marR="9525" marT="9525" marB="9525" anchor="b"/>
+                </a:tc>
+                <a:tc hMerge="1">
+                  <a:txBody>
+                    <a:bodyPr/>
+                    <a:lstStyle/>
+                    <a:p>
+                      <a:endParaRPr lang="en-US"/>
+                    </a:p>
+                  </a:txBody>
+                  <a:tcPr/>
+                </a:tc>
+                <a:extLst>
+                  <a:ext uri="{0D108BD9-81ED-4DB2-BD59-A6C34878D82A}">
+                    <a16:rowId xmlns:a16="http://schemas.microsoft.com/office/drawing/2014/main" val="1551346264"/>
+                  </a:ext>
+                </a:extLst>
+              </a:tr>
+              <a:tr h="426708">
+                <a:tc>
+                  <a:txBody>
+                    <a:bodyPr/>
+                    <a:lstStyle/>
+                    <a:p>
+                      <a:endParaRPr lang="en-US" sz="2000">
+                        <a:effectLst/>
+                        <a:latin typeface="Calibri" panose="020F0502020204030204" pitchFamily="34" charset="0"/>
+                      </a:endParaRPr>
+                    </a:p>
+                  </a:txBody>
+                  <a:tcPr marL="9525" marR="9525" marT="9525" marB="9525" anchor="b"/>
+                </a:tc>
+                <a:tc>
+                  <a:txBody>
+                    <a:bodyPr/>
+                    <a:lstStyle/>
+                    <a:p>
+                      <a:pPr marL="0" marR="0">
+                        <a:spcBef>
+                          <a:spcPts val="0"/>
+                        </a:spcBef>
+                        <a:spcAft>
+                          <a:spcPts val="0"/>
+                        </a:spcAft>
+                      </a:pPr>
+                      <a:r>
+                        <a:rPr lang="en-US" sz="2000">
+                          <a:effectLst/>
+                        </a:rPr>
+                        <a:t>TAVG</a:t>
+                      </a:r>
+                      <a:endParaRPr lang="en-US" sz="2000">
+                        <a:effectLst/>
+                        <a:latin typeface="Calibri" panose="020F0502020204030204" pitchFamily="34" charset="0"/>
+                        <a:ea typeface="Times New Roman" panose="02020603050405020304" pitchFamily="18" charset="0"/>
+                        <a:cs typeface="Times New Roman" panose="02020603050405020304" pitchFamily="18" charset="0"/>
+                      </a:endParaRPr>
+                    </a:p>
+                  </a:txBody>
+                  <a:tcPr marL="9525" marR="9525" marT="9525" marB="9525" anchor="b"/>
+                </a:tc>
+                <a:extLst>
+                  <a:ext uri="{0D108BD9-81ED-4DB2-BD59-A6C34878D82A}">
+                    <a16:rowId xmlns:a16="http://schemas.microsoft.com/office/drawing/2014/main" val="2034033680"/>
+                  </a:ext>
+                </a:extLst>
+              </a:tr>
+              <a:tr h="426708">
+                <a:tc>
+                  <a:txBody>
+                    <a:bodyPr/>
+                    <a:lstStyle/>
+                    <a:p>
+                      <a:pPr marL="0" marR="0">
+                        <a:spcBef>
+                          <a:spcPts val="0"/>
+                        </a:spcBef>
+                        <a:spcAft>
+                          <a:spcPts val="0"/>
+                        </a:spcAft>
+                      </a:pPr>
+                      <a:r>
+                        <a:rPr lang="en-US" sz="2000">
+                          <a:effectLst/>
+                        </a:rPr>
+                        <a:t>Observations</a:t>
+                      </a:r>
+                      <a:endParaRPr lang="en-US" sz="2000">
+                        <a:effectLst/>
+                        <a:latin typeface="Calibri" panose="020F0502020204030204" pitchFamily="34" charset="0"/>
+                        <a:ea typeface="Times New Roman" panose="02020603050405020304" pitchFamily="18" charset="0"/>
+                        <a:cs typeface="Times New Roman" panose="02020603050405020304" pitchFamily="18" charset="0"/>
+                      </a:endParaRPr>
+                    </a:p>
+                  </a:txBody>
+                  <a:tcPr marL="9525" marR="9525" marT="9525" marB="9525" anchor="b"/>
+                </a:tc>
+                <a:tc>
+                  <a:txBody>
+                    <a:bodyPr/>
+                    <a:lstStyle/>
+                    <a:p>
+                      <a:pPr marL="0" marR="0" algn="r">
+                        <a:spcBef>
+                          <a:spcPts val="0"/>
+                        </a:spcBef>
+                        <a:spcAft>
+                          <a:spcPts val="0"/>
+                        </a:spcAft>
+                      </a:pPr>
+                      <a:r>
+                        <a:rPr lang="en-US" sz="2000" dirty="0">
+                          <a:effectLst/>
+                        </a:rPr>
+                        <a:t>368</a:t>
+                      </a:r>
+                      <a:endParaRPr lang="en-US" sz="2000" dirty="0">
+                        <a:effectLst/>
+                        <a:latin typeface="Calibri" panose="020F0502020204030204" pitchFamily="34" charset="0"/>
+                        <a:ea typeface="Times New Roman" panose="02020603050405020304" pitchFamily="18" charset="0"/>
+                        <a:cs typeface="Times New Roman" panose="02020603050405020304" pitchFamily="18" charset="0"/>
+                      </a:endParaRPr>
+                    </a:p>
+                  </a:txBody>
+                  <a:tcPr marL="9525" marR="9525" marT="9525" marB="9525" anchor="b"/>
+                </a:tc>
+                <a:extLst>
+                  <a:ext uri="{0D108BD9-81ED-4DB2-BD59-A6C34878D82A}">
+                    <a16:rowId xmlns:a16="http://schemas.microsoft.com/office/drawing/2014/main" val="3012896363"/>
+                  </a:ext>
+                </a:extLst>
+              </a:tr>
+              <a:tr h="426708">
+                <a:tc>
+                  <a:txBody>
+                    <a:bodyPr/>
+                    <a:lstStyle/>
+                    <a:p>
+                      <a:pPr marL="0" marR="0">
+                        <a:spcBef>
+                          <a:spcPts val="0"/>
+                        </a:spcBef>
+                        <a:spcAft>
+                          <a:spcPts val="0"/>
+                        </a:spcAft>
+                      </a:pPr>
+                      <a:r>
+                        <a:rPr lang="en-US" sz="2000">
+                          <a:effectLst/>
+                        </a:rPr>
+                        <a:t>Mean</a:t>
+                      </a:r>
+                      <a:endParaRPr lang="en-US" sz="2000">
+                        <a:effectLst/>
+                        <a:latin typeface="Calibri" panose="020F0502020204030204" pitchFamily="34" charset="0"/>
+                        <a:ea typeface="Times New Roman" panose="02020603050405020304" pitchFamily="18" charset="0"/>
+                        <a:cs typeface="Times New Roman" panose="02020603050405020304" pitchFamily="18" charset="0"/>
+                      </a:endParaRPr>
+                    </a:p>
+                  </a:txBody>
+                  <a:tcPr marL="9525" marR="9525" marT="9525" marB="9525" anchor="b"/>
+                </a:tc>
+                <a:tc>
+                  <a:txBody>
+                    <a:bodyPr/>
+                    <a:lstStyle/>
+                    <a:p>
+                      <a:pPr marL="0" marR="0" algn="r">
+                        <a:spcBef>
+                          <a:spcPts val="0"/>
+                        </a:spcBef>
+                        <a:spcAft>
+                          <a:spcPts val="0"/>
+                        </a:spcAft>
+                      </a:pPr>
+                      <a:r>
+                        <a:rPr lang="en-US" sz="2000" dirty="0">
+                          <a:effectLst/>
+                          <a:latin typeface="Calibri" panose="020F0502020204030204" pitchFamily="34" charset="0"/>
+                          <a:ea typeface="Times New Roman" panose="02020603050405020304" pitchFamily="18" charset="0"/>
+                          <a:cs typeface="Times New Roman" panose="02020603050405020304" pitchFamily="18" charset="0"/>
+                        </a:rPr>
+                        <a:t>72.63</a:t>
+                      </a:r>
+                    </a:p>
+                  </a:txBody>
+                  <a:tcPr marL="9525" marR="9525" marT="9525" marB="9525" anchor="b"/>
+                </a:tc>
+                <a:extLst>
+                  <a:ext uri="{0D108BD9-81ED-4DB2-BD59-A6C34878D82A}">
+                    <a16:rowId xmlns:a16="http://schemas.microsoft.com/office/drawing/2014/main" val="2339184729"/>
+                  </a:ext>
+                </a:extLst>
+              </a:tr>
+              <a:tr h="426708">
+                <a:tc>
+                  <a:txBody>
+                    <a:bodyPr/>
+                    <a:lstStyle/>
+                    <a:p>
+                      <a:pPr marL="0" marR="0">
+                        <a:spcBef>
+                          <a:spcPts val="0"/>
+                        </a:spcBef>
+                        <a:spcAft>
+                          <a:spcPts val="0"/>
+                        </a:spcAft>
+                      </a:pPr>
+                      <a:r>
+                        <a:rPr lang="en-US" sz="2000">
+                          <a:effectLst/>
+                        </a:rPr>
+                        <a:t>Median</a:t>
+                      </a:r>
+                      <a:endParaRPr lang="en-US" sz="2000">
+                        <a:effectLst/>
+                        <a:latin typeface="Calibri" panose="020F0502020204030204" pitchFamily="34" charset="0"/>
+                        <a:ea typeface="Times New Roman" panose="02020603050405020304" pitchFamily="18" charset="0"/>
+                        <a:cs typeface="Times New Roman" panose="02020603050405020304" pitchFamily="18" charset="0"/>
+                      </a:endParaRPr>
+                    </a:p>
+                  </a:txBody>
+                  <a:tcPr marL="9525" marR="9525" marT="9525" marB="9525" anchor="b"/>
+                </a:tc>
+                <a:tc>
+                  <a:txBody>
+                    <a:bodyPr/>
+                    <a:lstStyle/>
+                    <a:p>
+                      <a:pPr marL="0" marR="0" algn="r">
+                        <a:spcBef>
+                          <a:spcPts val="0"/>
+                        </a:spcBef>
+                        <a:spcAft>
+                          <a:spcPts val="0"/>
+                        </a:spcAft>
+                      </a:pPr>
+                      <a:r>
+                        <a:rPr lang="en-US" sz="2000" dirty="0">
+                          <a:effectLst/>
+                          <a:latin typeface="Calibri" panose="020F0502020204030204" pitchFamily="34" charset="0"/>
+                          <a:ea typeface="Times New Roman" panose="02020603050405020304" pitchFamily="18" charset="0"/>
+                          <a:cs typeface="Times New Roman" panose="02020603050405020304" pitchFamily="18" charset="0"/>
+                        </a:rPr>
+                        <a:t>73</a:t>
+                      </a:r>
+                    </a:p>
+                  </a:txBody>
+                  <a:tcPr marL="9525" marR="9525" marT="9525" marB="9525" anchor="b"/>
+                </a:tc>
+                <a:extLst>
+                  <a:ext uri="{0D108BD9-81ED-4DB2-BD59-A6C34878D82A}">
+                    <a16:rowId xmlns:a16="http://schemas.microsoft.com/office/drawing/2014/main" val="955749092"/>
+                  </a:ext>
+                </a:extLst>
+              </a:tr>
+              <a:tr h="629163">
+                <a:tc>
+                  <a:txBody>
+                    <a:bodyPr/>
+                    <a:lstStyle/>
+                    <a:p>
+                      <a:pPr marL="0" marR="0">
+                        <a:spcBef>
+                          <a:spcPts val="0"/>
+                        </a:spcBef>
+                        <a:spcAft>
+                          <a:spcPts val="0"/>
+                        </a:spcAft>
+                      </a:pPr>
+                      <a:r>
+                        <a:rPr lang="en-US" sz="2000">
+                          <a:effectLst/>
+                        </a:rPr>
+                        <a:t>Standard Deviation</a:t>
+                      </a:r>
+                      <a:endParaRPr lang="en-US" sz="2000">
+                        <a:effectLst/>
+                        <a:latin typeface="Calibri" panose="020F0502020204030204" pitchFamily="34" charset="0"/>
+                        <a:ea typeface="Times New Roman" panose="02020603050405020304" pitchFamily="18" charset="0"/>
+                        <a:cs typeface="Times New Roman" panose="02020603050405020304" pitchFamily="18" charset="0"/>
+                      </a:endParaRPr>
+                    </a:p>
+                  </a:txBody>
+                  <a:tcPr marL="9525" marR="9525" marT="9525" marB="9525" anchor="b"/>
+                </a:tc>
+                <a:tc>
+                  <a:txBody>
+                    <a:bodyPr/>
+                    <a:lstStyle/>
+                    <a:p>
+                      <a:pPr marL="0" marR="0" algn="r">
+                        <a:spcBef>
+                          <a:spcPts val="0"/>
+                        </a:spcBef>
+                        <a:spcAft>
+                          <a:spcPts val="0"/>
+                        </a:spcAft>
+                      </a:pPr>
+                      <a:r>
+                        <a:rPr lang="en-US" sz="2000" dirty="0">
+                          <a:effectLst/>
+                          <a:latin typeface="Calibri" panose="020F0502020204030204" pitchFamily="34" charset="0"/>
+                          <a:ea typeface="Times New Roman" panose="02020603050405020304" pitchFamily="18" charset="0"/>
+                          <a:cs typeface="Times New Roman" panose="02020603050405020304" pitchFamily="18" charset="0"/>
+                        </a:rPr>
+                        <a:t>3.28</a:t>
+                      </a:r>
+                    </a:p>
+                  </a:txBody>
+                  <a:tcPr marL="9525" marR="9525" marT="9525" marB="9525" anchor="b"/>
+                </a:tc>
+                <a:extLst>
+                  <a:ext uri="{0D108BD9-81ED-4DB2-BD59-A6C34878D82A}">
+                    <a16:rowId xmlns:a16="http://schemas.microsoft.com/office/drawing/2014/main" val="2042307569"/>
+                  </a:ext>
+                </a:extLst>
+              </a:tr>
+              <a:tr h="426708">
+                <a:tc>
+                  <a:txBody>
+                    <a:bodyPr/>
+                    <a:lstStyle/>
+                    <a:p>
+                      <a:pPr marL="0" marR="0">
+                        <a:spcBef>
+                          <a:spcPts val="0"/>
+                        </a:spcBef>
+                        <a:spcAft>
+                          <a:spcPts val="0"/>
+                        </a:spcAft>
+                      </a:pPr>
+                      <a:r>
+                        <a:rPr lang="en-US" sz="2000">
+                          <a:effectLst/>
+                        </a:rPr>
+                        <a:t>Minimum</a:t>
+                      </a:r>
+                      <a:endParaRPr lang="en-US" sz="2000">
+                        <a:effectLst/>
+                        <a:latin typeface="Calibri" panose="020F0502020204030204" pitchFamily="34" charset="0"/>
+                        <a:ea typeface="Times New Roman" panose="02020603050405020304" pitchFamily="18" charset="0"/>
+                        <a:cs typeface="Times New Roman" panose="02020603050405020304" pitchFamily="18" charset="0"/>
+                      </a:endParaRPr>
+                    </a:p>
+                  </a:txBody>
+                  <a:tcPr marL="9525" marR="9525" marT="9525" marB="9525" anchor="b"/>
+                </a:tc>
+                <a:tc>
+                  <a:txBody>
+                    <a:bodyPr/>
+                    <a:lstStyle/>
+                    <a:p>
+                      <a:pPr marL="0" marR="0" algn="r">
+                        <a:spcBef>
+                          <a:spcPts val="0"/>
+                        </a:spcBef>
+                        <a:spcAft>
+                          <a:spcPts val="0"/>
+                        </a:spcAft>
+                      </a:pPr>
+                      <a:r>
+                        <a:rPr lang="en-US" sz="2000" dirty="0">
+                          <a:effectLst/>
+                          <a:latin typeface="Calibri" panose="020F0502020204030204" pitchFamily="34" charset="0"/>
+                          <a:ea typeface="Times New Roman" panose="02020603050405020304" pitchFamily="18" charset="0"/>
+                          <a:cs typeface="Times New Roman" panose="02020603050405020304" pitchFamily="18" charset="0"/>
+                        </a:rPr>
+                        <a:t>64</a:t>
+                      </a:r>
+                    </a:p>
+                  </a:txBody>
+                  <a:tcPr marL="9525" marR="9525" marT="9525" marB="9525" anchor="b"/>
+                </a:tc>
+                <a:extLst>
+                  <a:ext uri="{0D108BD9-81ED-4DB2-BD59-A6C34878D82A}">
+                    <a16:rowId xmlns:a16="http://schemas.microsoft.com/office/drawing/2014/main" val="1501288905"/>
+                  </a:ext>
+                </a:extLst>
+              </a:tr>
+              <a:tr h="426708">
+                <a:tc>
+                  <a:txBody>
+                    <a:bodyPr/>
+                    <a:lstStyle/>
+                    <a:p>
+                      <a:pPr marL="0" marR="0">
+                        <a:spcBef>
+                          <a:spcPts val="0"/>
+                        </a:spcBef>
+                        <a:spcAft>
+                          <a:spcPts val="0"/>
+                        </a:spcAft>
+                      </a:pPr>
+                      <a:r>
+                        <a:rPr lang="en-US" sz="2000" dirty="0">
+                          <a:effectLst/>
+                        </a:rPr>
+                        <a:t>Maximum</a:t>
+                      </a:r>
+                      <a:endParaRPr lang="en-US" sz="2000" dirty="0">
+                        <a:effectLst/>
+                        <a:latin typeface="Calibri" panose="020F0502020204030204" pitchFamily="34" charset="0"/>
+                        <a:ea typeface="Times New Roman" panose="02020603050405020304" pitchFamily="18" charset="0"/>
+                        <a:cs typeface="Times New Roman" panose="02020603050405020304" pitchFamily="18" charset="0"/>
+                      </a:endParaRPr>
+                    </a:p>
+                  </a:txBody>
+                  <a:tcPr marL="9525" marR="9525" marT="9525" marB="9525" anchor="b"/>
+                </a:tc>
+                <a:tc>
+                  <a:txBody>
+                    <a:bodyPr/>
+                    <a:lstStyle/>
+                    <a:p>
+                      <a:pPr marL="0" marR="0" algn="r">
+                        <a:spcBef>
+                          <a:spcPts val="0"/>
+                        </a:spcBef>
+                        <a:spcAft>
+                          <a:spcPts val="0"/>
+                        </a:spcAft>
+                      </a:pPr>
+                      <a:r>
+                        <a:rPr lang="en-US" sz="2000" dirty="0">
+                          <a:effectLst/>
+                          <a:latin typeface="Calibri" panose="020F0502020204030204" pitchFamily="34" charset="0"/>
+                          <a:ea typeface="Times New Roman" panose="02020603050405020304" pitchFamily="18" charset="0"/>
+                          <a:cs typeface="Times New Roman" panose="02020603050405020304" pitchFamily="18" charset="0"/>
+                        </a:rPr>
+                        <a:t>80</a:t>
+                      </a:r>
+                    </a:p>
+                  </a:txBody>
+                  <a:tcPr marL="9525" marR="9525" marT="9525" marB="9525" anchor="b"/>
+                </a:tc>
+                <a:extLst>
+                  <a:ext uri="{0D108BD9-81ED-4DB2-BD59-A6C34878D82A}">
+                    <a16:rowId xmlns:a16="http://schemas.microsoft.com/office/drawing/2014/main" val="1972127789"/>
+                  </a:ext>
+                </a:extLst>
+              </a:tr>
+            </a:tbl>
+          </a:graphicData>
+        </a:graphic>
+      </p:graphicFrame>
     </p:spTree>
     <p:extLst>
       <p:ext uri="{BB962C8B-B14F-4D97-AF65-F5344CB8AC3E}">
-        <p14:creationId xmlns:p14="http://schemas.microsoft.com/office/powerpoint/2010/main" val="3318734090"/>
+        <p14:creationId xmlns:p14="http://schemas.microsoft.com/office/powerpoint/2010/main" val="758827939"/>
       </p:ext>
     </p:extLst>
   </p:cSld>
@@ -5133,10 +6085,10 @@
       </p:grpSpPr>
       <p:sp>
         <p:nvSpPr>
-          <p:cNvPr id="2" name="Title 1">
+          <p:cNvPr id="4" name="Text Placeholder 3">
             <a:extLst>
               <a:ext uri="{FF2B5EF4-FFF2-40B4-BE49-F238E27FC236}">
-                <a16:creationId xmlns:a16="http://schemas.microsoft.com/office/drawing/2014/main" id="{54D73403-9A23-A542-B199-F19483057F59}"/>
+                <a16:creationId xmlns:a16="http://schemas.microsoft.com/office/drawing/2014/main" id="{0749A112-B0B6-A342-BE68-7AFC39BA14C6}"/>
               </a:ext>
             </a:extLst>
           </p:cNvPr>
@@ -5144,41 +6096,13 @@
             <a:spLocks noGrp="1"/>
           </p:cNvSpPr>
           <p:nvPr>
-            <p:ph type="title"/>
-          </p:nvPr>
-        </p:nvSpPr>
-        <p:spPr/>
-        <p:txBody>
-          <a:bodyPr/>
-          <a:lstStyle/>
-          <a:p>
-            <a:r>
-              <a:rPr lang="en-US" dirty="0"/>
-              <a:t>Winter test</a:t>
-            </a:r>
-          </a:p>
-        </p:txBody>
-      </p:sp>
-      <p:sp>
-        <p:nvSpPr>
-          <p:cNvPr id="3" name="Content Placeholder 2">
-            <a:extLst>
-              <a:ext uri="{FF2B5EF4-FFF2-40B4-BE49-F238E27FC236}">
-                <a16:creationId xmlns:a16="http://schemas.microsoft.com/office/drawing/2014/main" id="{9F4E60BA-6828-BE4E-BDDB-32FF6B14418D}"/>
-              </a:ext>
-            </a:extLst>
-          </p:cNvPr>
-          <p:cNvSpPr>
-            <a:spLocks noGrp="1"/>
-          </p:cNvSpPr>
-          <p:nvPr>
-            <p:ph idx="1"/>
+            <p:ph type="body" idx="1"/>
           </p:nvPr>
         </p:nvSpPr>
         <p:spPr>
           <a:xfrm>
-            <a:off x="523875" y="2638044"/>
-            <a:ext cx="11128375" cy="3101983"/>
+            <a:off x="928080" y="2274230"/>
+            <a:ext cx="4270248" cy="704087"/>
           </a:xfrm>
         </p:spPr>
         <p:txBody>
@@ -5189,50 +6113,138 @@
           <a:p>
             <a:r>
               <a:rPr lang="en-US" sz="2400" dirty="0"/>
-              <a:t>H</a:t>
-            </a:r>
-            <a:r>
-              <a:rPr lang="en-US" sz="2400" baseline="-25000" dirty="0"/>
-              <a:t>0</a:t>
-            </a:r>
+              <a:t>Winter</a:t>
+            </a:r>
+          </a:p>
+        </p:txBody>
+      </p:sp>
+      <p:sp>
+        <p:nvSpPr>
+          <p:cNvPr id="7" name="Text Placeholder 6">
+            <a:extLst>
+              <a:ext uri="{FF2B5EF4-FFF2-40B4-BE49-F238E27FC236}">
+                <a16:creationId xmlns:a16="http://schemas.microsoft.com/office/drawing/2014/main" id="{8C481F1A-DD59-3640-961B-47A69E297A82}"/>
+              </a:ext>
+            </a:extLst>
+          </p:cNvPr>
+          <p:cNvSpPr>
+            <a:spLocks noGrp="1"/>
+          </p:cNvSpPr>
+          <p:nvPr>
+            <p:ph type="body" sz="quarter" idx="13"/>
+          </p:nvPr>
+        </p:nvSpPr>
+        <p:spPr>
+          <a:xfrm>
+            <a:off x="6993674" y="2313432"/>
+            <a:ext cx="4270248" cy="704087"/>
+          </a:xfrm>
+        </p:spPr>
+        <p:txBody>
+          <a:bodyPr>
+            <a:normAutofit/>
+          </a:bodyPr>
+          <a:lstStyle/>
+          <a:p>
             <a:r>
               <a:rPr lang="en-US" sz="2400" dirty="0"/>
-              <a:t>:  Akron winter average temperature – Asheville winter average temperature = -5</a:t>
-            </a:r>
-          </a:p>
-          <a:p>
-            <a:r>
-              <a:rPr lang="en-US" sz="2400" dirty="0"/>
-              <a:t>Ha:  Akron winter average temperature – Asheville winter average temperature &lt; -5</a:t>
-            </a:r>
-          </a:p>
-          <a:p>
-            <a:r>
-              <a:rPr lang="en-US" sz="2400" dirty="0"/>
-              <a:t>Test statistic: z = -5.925</a:t>
-            </a:r>
-          </a:p>
-          <a:p>
-            <a:r>
-              <a:rPr lang="en-US" sz="2400" dirty="0"/>
-              <a:t>-5.925 &lt; -1.645</a:t>
-            </a:r>
-          </a:p>
-          <a:p>
-            <a:r>
-              <a:rPr lang="en-US" sz="2400" dirty="0"/>
-              <a:t>Reject null hypothesis, Asheville winter average temperature is at least 5 degrees warmer than Akron’s winter average temperature</a:t>
-            </a:r>
-          </a:p>
-          <a:p>
-            <a:endParaRPr lang="en-US" dirty="0"/>
-          </a:p>
-        </p:txBody>
-      </p:sp>
+              <a:t>Summer</a:t>
+            </a:r>
+          </a:p>
+        </p:txBody>
+      </p:sp>
+      <p:sp>
+        <p:nvSpPr>
+          <p:cNvPr id="2" name="Title 1">
+            <a:extLst>
+              <a:ext uri="{FF2B5EF4-FFF2-40B4-BE49-F238E27FC236}">
+                <a16:creationId xmlns:a16="http://schemas.microsoft.com/office/drawing/2014/main" id="{78ADD6DF-430C-AD47-B38C-693EFC53B13C}"/>
+              </a:ext>
+            </a:extLst>
+          </p:cNvPr>
+          <p:cNvSpPr>
+            <a:spLocks noGrp="1"/>
+          </p:cNvSpPr>
+          <p:nvPr>
+            <p:ph type="title"/>
+          </p:nvPr>
+        </p:nvSpPr>
+        <p:spPr/>
+        <p:txBody>
+          <a:bodyPr/>
+          <a:lstStyle/>
+          <a:p>
+            <a:r>
+              <a:rPr lang="en-US" dirty="0"/>
+              <a:t>Box plot</a:t>
+            </a:r>
+          </a:p>
+        </p:txBody>
+      </p:sp>
+      <p:pic>
+        <p:nvPicPr>
+          <p:cNvPr id="10" name="Picture 9">
+            <a:extLst>
+              <a:ext uri="{FF2B5EF4-FFF2-40B4-BE49-F238E27FC236}">
+                <a16:creationId xmlns:a16="http://schemas.microsoft.com/office/drawing/2014/main" id="{CD6EE7EA-4398-B245-AE07-6EA5C45F711C}"/>
+              </a:ext>
+            </a:extLst>
+          </p:cNvPr>
+          <p:cNvPicPr>
+            <a:picLocks noChangeAspect="1"/>
+          </p:cNvPicPr>
+          <p:nvPr/>
+        </p:nvPicPr>
+        <p:blipFill>
+          <a:blip r:embed="rId2"/>
+          <a:stretch>
+            <a:fillRect/>
+          </a:stretch>
+        </p:blipFill>
+        <p:spPr>
+          <a:xfrm>
+            <a:off x="33438" y="3017519"/>
+            <a:ext cx="6059533" cy="3216064"/>
+          </a:xfrm>
+          <a:prstGeom prst="rect">
+            <a:avLst/>
+          </a:prstGeom>
+        </p:spPr>
+      </p:pic>
+      <p:pic>
+        <p:nvPicPr>
+          <p:cNvPr id="13" name="Picture 12">
+            <a:extLst>
+              <a:ext uri="{FF2B5EF4-FFF2-40B4-BE49-F238E27FC236}">
+                <a16:creationId xmlns:a16="http://schemas.microsoft.com/office/drawing/2014/main" id="{2145B933-E597-1D45-B6E9-5FD12F91E951}"/>
+              </a:ext>
+            </a:extLst>
+          </p:cNvPr>
+          <p:cNvPicPr>
+            <a:picLocks noChangeAspect="1"/>
+          </p:cNvPicPr>
+          <p:nvPr/>
+        </p:nvPicPr>
+        <p:blipFill>
+          <a:blip r:embed="rId3"/>
+          <a:stretch>
+            <a:fillRect/>
+          </a:stretch>
+        </p:blipFill>
+        <p:spPr>
+          <a:xfrm>
+            <a:off x="6099029" y="3017519"/>
+            <a:ext cx="6059535" cy="3216064"/>
+          </a:xfrm>
+          <a:prstGeom prst="rect">
+            <a:avLst/>
+          </a:prstGeom>
+        </p:spPr>
+      </p:pic>
     </p:spTree>
     <p:extLst>
       <p:ext uri="{BB962C8B-B14F-4D97-AF65-F5344CB8AC3E}">
-        <p14:creationId xmlns:p14="http://schemas.microsoft.com/office/powerpoint/2010/main" val="4112678065"/>
+        <p14:creationId xmlns:p14="http://schemas.microsoft.com/office/powerpoint/2010/main" val="3061500626"/>
       </p:ext>
     </p:extLst>
   </p:cSld>
@@ -5264,7 +6276,7 @@
           <p:cNvPr id="2" name="Title 1">
             <a:extLst>
               <a:ext uri="{FF2B5EF4-FFF2-40B4-BE49-F238E27FC236}">
-                <a16:creationId xmlns:a16="http://schemas.microsoft.com/office/drawing/2014/main" id="{3D94E903-7628-694C-BD3A-EAF9D39C2218}"/>
+                <a16:creationId xmlns:a16="http://schemas.microsoft.com/office/drawing/2014/main" id="{E62D41C3-0A65-5C4B-AEDE-9AB86657CD67}"/>
               </a:ext>
             </a:extLst>
           </p:cNvPr>
@@ -5282,67 +6294,15 @@
           <a:p>
             <a:r>
               <a:rPr lang="en-US" dirty="0"/>
-              <a:t>Conclusion</a:t>
-            </a:r>
-          </a:p>
-        </p:txBody>
-      </p:sp>
-      <p:sp>
-        <p:nvSpPr>
-          <p:cNvPr id="3" name="Content Placeholder 2">
-            <a:extLst>
-              <a:ext uri="{FF2B5EF4-FFF2-40B4-BE49-F238E27FC236}">
-                <a16:creationId xmlns:a16="http://schemas.microsoft.com/office/drawing/2014/main" id="{97D7B349-FCAD-6847-B3BC-B2A8372E9D36}"/>
-              </a:ext>
-            </a:extLst>
-          </p:cNvPr>
-          <p:cNvSpPr>
-            <a:spLocks noGrp="1"/>
-          </p:cNvSpPr>
-          <p:nvPr>
-            <p:ph idx="1"/>
-          </p:nvPr>
-        </p:nvSpPr>
-        <p:spPr>
-          <a:xfrm>
-            <a:off x="2231136" y="2638044"/>
-            <a:ext cx="7729728" cy="3727831"/>
-          </a:xfrm>
-        </p:spPr>
-        <p:txBody>
-          <a:bodyPr>
-            <a:normAutofit/>
-          </a:bodyPr>
-          <a:lstStyle/>
-          <a:p>
-            <a:r>
-              <a:rPr lang="en-US" sz="2400" dirty="0"/>
-              <a:t>When looking at the entire year temperature, then we are not able to make on conclusions about the temperature difference between Akron, OH and Asheville, NC</a:t>
-            </a:r>
-          </a:p>
-          <a:p>
-            <a:r>
-              <a:rPr lang="en-US" sz="2400" dirty="0"/>
-              <a:t>When looking at just the winter months, we are able to conclude that the average temperature in Asheville, NC is at least 5 degrees warmer than Akron, OH.</a:t>
-            </a:r>
-          </a:p>
-          <a:p>
-            <a:r>
-              <a:rPr lang="en-US" sz="2400" dirty="0"/>
-              <a:t>Access data, calculations, and </a:t>
-            </a:r>
-            <a:r>
-              <a:rPr lang="en-US" sz="2400"/>
-              <a:t>full report at https://github.com/EricMaibach/AkronAshevilleWeatherAnalysis</a:t>
-            </a:r>
-            <a:endParaRPr lang="en-US" sz="2400" dirty="0"/>
+              <a:t>Test again</a:t>
+            </a:r>
           </a:p>
         </p:txBody>
       </p:sp>
     </p:spTree>
     <p:extLst>
       <p:ext uri="{BB962C8B-B14F-4D97-AF65-F5344CB8AC3E}">
-        <p14:creationId xmlns:p14="http://schemas.microsoft.com/office/powerpoint/2010/main" val="1031107677"/>
+        <p14:creationId xmlns:p14="http://schemas.microsoft.com/office/powerpoint/2010/main" val="20774553"/>
       </p:ext>
     </p:extLst>
   </p:cSld>
@@ -5397,12 +6357,70 @@
           </a:p>
         </p:txBody>
       </p:sp>
+    </p:spTree>
+    <p:extLst>
+      <p:ext uri="{BB962C8B-B14F-4D97-AF65-F5344CB8AC3E}">
+        <p14:creationId xmlns:p14="http://schemas.microsoft.com/office/powerpoint/2010/main" val="2651421138"/>
+      </p:ext>
+    </p:extLst>
+  </p:cSld>
+  <p:clrMapOvr>
+    <a:masterClrMapping/>
+  </p:clrMapOvr>
+</p:sld>
+</file>
+
+<file path=ppt/slides/slide20.xml><?xml version="1.0" encoding="utf-8"?>
+<p:sld xmlns:a="http://schemas.openxmlformats.org/drawingml/2006/main" xmlns:r="http://schemas.openxmlformats.org/officeDocument/2006/relationships" xmlns:p="http://schemas.openxmlformats.org/presentationml/2006/main">
+  <p:cSld>
+    <p:spTree>
+      <p:nvGrpSpPr>
+        <p:cNvPr id="1" name=""/>
+        <p:cNvGrpSpPr/>
+        <p:nvPr/>
+      </p:nvGrpSpPr>
+      <p:grpSpPr>
+        <a:xfrm>
+          <a:off x="0" y="0"/>
+          <a:ext cx="0" cy="0"/>
+          <a:chOff x="0" y="0"/>
+          <a:chExt cx="0" cy="0"/>
+        </a:xfrm>
+      </p:grpSpPr>
+      <p:sp>
+        <p:nvSpPr>
+          <p:cNvPr id="2" name="Title 1">
+            <a:extLst>
+              <a:ext uri="{FF2B5EF4-FFF2-40B4-BE49-F238E27FC236}">
+                <a16:creationId xmlns:a16="http://schemas.microsoft.com/office/drawing/2014/main" id="{C3FEB6D5-62BE-1A42-BB23-12F31D73BB0A}"/>
+              </a:ext>
+            </a:extLst>
+          </p:cNvPr>
+          <p:cNvSpPr>
+            <a:spLocks noGrp="1"/>
+          </p:cNvSpPr>
+          <p:nvPr>
+            <p:ph type="title"/>
+          </p:nvPr>
+        </p:nvSpPr>
+        <p:spPr/>
+        <p:txBody>
+          <a:bodyPr/>
+          <a:lstStyle/>
+          <a:p>
+            <a:r>
+              <a:rPr lang="en-US" dirty="0"/>
+              <a:t>Winter test</a:t>
+            </a:r>
+          </a:p>
+        </p:txBody>
+      </p:sp>
       <p:sp>
         <p:nvSpPr>
           <p:cNvPr id="3" name="Content Placeholder 2">
             <a:extLst>
               <a:ext uri="{FF2B5EF4-FFF2-40B4-BE49-F238E27FC236}">
-                <a16:creationId xmlns:a16="http://schemas.microsoft.com/office/drawing/2014/main" id="{D9B0FB56-6947-6840-8B06-21F5055AE772}"/>
+                <a16:creationId xmlns:a16="http://schemas.microsoft.com/office/drawing/2014/main" id="{E279C17F-94A8-C14E-BD0B-2DD9A27A6A2D}"/>
               </a:ext>
             </a:extLst>
           </p:cNvPr>
@@ -5410,24 +6428,605 @@
             <a:spLocks noGrp="1"/>
           </p:cNvSpPr>
           <p:nvPr>
-            <p:ph type="body" idx="1"/>
+            <p:ph idx="1"/>
           </p:nvPr>
         </p:nvSpPr>
         <p:spPr/>
+        <p:txBody>
+          <a:bodyPr/>
+          <a:lstStyle/>
+          <a:p>
+            <a:r>
+              <a:rPr lang="en-US" sz="2400" dirty="0"/>
+              <a:t>Two sample Z test</a:t>
+            </a:r>
+          </a:p>
+          <a:p>
+            <a:r>
+              <a:rPr lang="en-US" sz="2400" dirty="0"/>
+              <a:t>Population distribution unknown, but because sample size is large can assume normal by central limit theorem</a:t>
+            </a:r>
+          </a:p>
+          <a:p>
+            <a:r>
+              <a:rPr lang="en-US" sz="2400" dirty="0"/>
+              <a:t>95% confidence</a:t>
+            </a:r>
+          </a:p>
+          <a:p>
+            <a:endParaRPr lang="en-US" dirty="0"/>
+          </a:p>
+        </p:txBody>
+      </p:sp>
+    </p:spTree>
+    <p:extLst>
+      <p:ext uri="{BB962C8B-B14F-4D97-AF65-F5344CB8AC3E}">
+        <p14:creationId xmlns:p14="http://schemas.microsoft.com/office/powerpoint/2010/main" val="3318734090"/>
+      </p:ext>
+    </p:extLst>
+  </p:cSld>
+  <p:clrMapOvr>
+    <a:masterClrMapping/>
+  </p:clrMapOvr>
+</p:sld>
+</file>
+
+<file path=ppt/slides/slide21.xml><?xml version="1.0" encoding="utf-8"?>
+<p:sld xmlns:a="http://schemas.openxmlformats.org/drawingml/2006/main" xmlns:r="http://schemas.openxmlformats.org/officeDocument/2006/relationships" xmlns:p="http://schemas.openxmlformats.org/presentationml/2006/main">
+  <p:cSld>
+    <p:spTree>
+      <p:nvGrpSpPr>
+        <p:cNvPr id="1" name=""/>
+        <p:cNvGrpSpPr/>
+        <p:nvPr/>
+      </p:nvGrpSpPr>
+      <p:grpSpPr>
+        <a:xfrm>
+          <a:off x="0" y="0"/>
+          <a:ext cx="0" cy="0"/>
+          <a:chOff x="0" y="0"/>
+          <a:chExt cx="0" cy="0"/>
+        </a:xfrm>
+      </p:grpSpPr>
+      <p:sp>
+        <p:nvSpPr>
+          <p:cNvPr id="2" name="Title 1">
+            <a:extLst>
+              <a:ext uri="{FF2B5EF4-FFF2-40B4-BE49-F238E27FC236}">
+                <a16:creationId xmlns:a16="http://schemas.microsoft.com/office/drawing/2014/main" id="{54D73403-9A23-A542-B199-F19483057F59}"/>
+              </a:ext>
+            </a:extLst>
+          </p:cNvPr>
+          <p:cNvSpPr>
+            <a:spLocks noGrp="1"/>
+          </p:cNvSpPr>
+          <p:nvPr>
+            <p:ph type="title"/>
+          </p:nvPr>
+        </p:nvSpPr>
+        <p:spPr/>
+        <p:txBody>
+          <a:bodyPr/>
+          <a:lstStyle/>
+          <a:p>
+            <a:r>
+              <a:rPr lang="en-US" dirty="0"/>
+              <a:t>Winter test</a:t>
+            </a:r>
+          </a:p>
+        </p:txBody>
+      </p:sp>
+      <p:sp>
+        <p:nvSpPr>
+          <p:cNvPr id="3" name="Content Placeholder 2">
+            <a:extLst>
+              <a:ext uri="{FF2B5EF4-FFF2-40B4-BE49-F238E27FC236}">
+                <a16:creationId xmlns:a16="http://schemas.microsoft.com/office/drawing/2014/main" id="{9F4E60BA-6828-BE4E-BDDB-32FF6B14418D}"/>
+              </a:ext>
+            </a:extLst>
+          </p:cNvPr>
+          <p:cNvSpPr>
+            <a:spLocks noGrp="1"/>
+          </p:cNvSpPr>
+          <p:nvPr>
+            <p:ph idx="1"/>
+          </p:nvPr>
+        </p:nvSpPr>
+        <p:spPr>
+          <a:xfrm>
+            <a:off x="523875" y="2638044"/>
+            <a:ext cx="11128375" cy="3101983"/>
+          </a:xfrm>
+        </p:spPr>
         <p:txBody>
           <a:bodyPr>
             <a:normAutofit/>
           </a:bodyPr>
           <a:lstStyle/>
           <a:p>
-            <a:endParaRPr lang="en-US" sz="2400" dirty="0"/>
+            <a:r>
+              <a:rPr lang="en-US" sz="2400" dirty="0"/>
+              <a:t>H</a:t>
+            </a:r>
+            <a:r>
+              <a:rPr lang="en-US" sz="2400" baseline="-25000" dirty="0"/>
+              <a:t>0</a:t>
+            </a:r>
+            <a:r>
+              <a:rPr lang="en-US" sz="2400" dirty="0"/>
+              <a:t>:  Akron winter average temperature – Asheville winter average temperature = -8</a:t>
+            </a:r>
+          </a:p>
+          <a:p>
+            <a:r>
+              <a:rPr lang="en-US" sz="2400" dirty="0"/>
+              <a:t>Ha:  Akron winter average temperature – Asheville winter average temperature &lt; -8</a:t>
+            </a:r>
+          </a:p>
+          <a:p>
+            <a:r>
+              <a:rPr lang="en-US" sz="2400" dirty="0"/>
+              <a:t>Test statistic: z = -2.530</a:t>
+            </a:r>
+          </a:p>
+          <a:p>
+            <a:r>
+              <a:rPr lang="en-US" sz="2400" dirty="0"/>
+              <a:t>-2.530 &lt; -1.645</a:t>
+            </a:r>
+          </a:p>
+          <a:p>
+            <a:r>
+              <a:rPr lang="en-US" sz="2400" dirty="0"/>
+              <a:t>Reject null hypothesis, Asheville winter average temperature </a:t>
+            </a:r>
+            <a:r>
+              <a:rPr lang="en-US" sz="2400"/>
+              <a:t>greater than </a:t>
+            </a:r>
+            <a:r>
+              <a:rPr lang="en-US" sz="2400" dirty="0"/>
+              <a:t>8 degrees warmer than Akron’s winter average temperature</a:t>
+            </a:r>
+          </a:p>
+          <a:p>
+            <a:endParaRPr lang="en-US" dirty="0"/>
           </a:p>
         </p:txBody>
       </p:sp>
     </p:spTree>
     <p:extLst>
       <p:ext uri="{BB962C8B-B14F-4D97-AF65-F5344CB8AC3E}">
-        <p14:creationId xmlns:p14="http://schemas.microsoft.com/office/powerpoint/2010/main" val="2651421138"/>
+        <p14:creationId xmlns:p14="http://schemas.microsoft.com/office/powerpoint/2010/main" val="4112678065"/>
+      </p:ext>
+    </p:extLst>
+  </p:cSld>
+  <p:clrMapOvr>
+    <a:masterClrMapping/>
+  </p:clrMapOvr>
+</p:sld>
+</file>
+
+<file path=ppt/slides/slide22.xml><?xml version="1.0" encoding="utf-8"?>
+<p:sld xmlns:a="http://schemas.openxmlformats.org/drawingml/2006/main" xmlns:r="http://schemas.openxmlformats.org/officeDocument/2006/relationships" xmlns:p="http://schemas.openxmlformats.org/presentationml/2006/main">
+  <p:cSld>
+    <p:spTree>
+      <p:nvGrpSpPr>
+        <p:cNvPr id="1" name=""/>
+        <p:cNvGrpSpPr/>
+        <p:nvPr/>
+      </p:nvGrpSpPr>
+      <p:grpSpPr>
+        <a:xfrm>
+          <a:off x="0" y="0"/>
+          <a:ext cx="0" cy="0"/>
+          <a:chOff x="0" y="0"/>
+          <a:chExt cx="0" cy="0"/>
+        </a:xfrm>
+      </p:grpSpPr>
+      <p:sp>
+        <p:nvSpPr>
+          <p:cNvPr id="2" name="Title 1">
+            <a:extLst>
+              <a:ext uri="{FF2B5EF4-FFF2-40B4-BE49-F238E27FC236}">
+                <a16:creationId xmlns:a16="http://schemas.microsoft.com/office/drawing/2014/main" id="{C3FEB6D5-62BE-1A42-BB23-12F31D73BB0A}"/>
+              </a:ext>
+            </a:extLst>
+          </p:cNvPr>
+          <p:cNvSpPr>
+            <a:spLocks noGrp="1"/>
+          </p:cNvSpPr>
+          <p:nvPr>
+            <p:ph type="title"/>
+          </p:nvPr>
+        </p:nvSpPr>
+        <p:spPr/>
+        <p:txBody>
+          <a:bodyPr/>
+          <a:lstStyle/>
+          <a:p>
+            <a:r>
+              <a:rPr lang="en-US" dirty="0"/>
+              <a:t>Summer test</a:t>
+            </a:r>
+          </a:p>
+        </p:txBody>
+      </p:sp>
+      <p:sp>
+        <p:nvSpPr>
+          <p:cNvPr id="3" name="Content Placeholder 2">
+            <a:extLst>
+              <a:ext uri="{FF2B5EF4-FFF2-40B4-BE49-F238E27FC236}">
+                <a16:creationId xmlns:a16="http://schemas.microsoft.com/office/drawing/2014/main" id="{E279C17F-94A8-C14E-BD0B-2DD9A27A6A2D}"/>
+              </a:ext>
+            </a:extLst>
+          </p:cNvPr>
+          <p:cNvSpPr>
+            <a:spLocks noGrp="1"/>
+          </p:cNvSpPr>
+          <p:nvPr>
+            <p:ph idx="1"/>
+          </p:nvPr>
+        </p:nvSpPr>
+        <p:spPr/>
+        <p:txBody>
+          <a:bodyPr/>
+          <a:lstStyle/>
+          <a:p>
+            <a:r>
+              <a:rPr lang="en-US" sz="2400" dirty="0"/>
+              <a:t>Two sample Z test</a:t>
+            </a:r>
+          </a:p>
+          <a:p>
+            <a:r>
+              <a:rPr lang="en-US" sz="2400" dirty="0"/>
+              <a:t>Population distribution unknown, but because sample size is large can assume normal by central limit theorem</a:t>
+            </a:r>
+          </a:p>
+          <a:p>
+            <a:r>
+              <a:rPr lang="en-US" sz="2400" dirty="0"/>
+              <a:t>95% confidence</a:t>
+            </a:r>
+          </a:p>
+          <a:p>
+            <a:endParaRPr lang="en-US" dirty="0"/>
+          </a:p>
+        </p:txBody>
+      </p:sp>
+    </p:spTree>
+    <p:extLst>
+      <p:ext uri="{BB962C8B-B14F-4D97-AF65-F5344CB8AC3E}">
+        <p14:creationId xmlns:p14="http://schemas.microsoft.com/office/powerpoint/2010/main" val="234591242"/>
+      </p:ext>
+    </p:extLst>
+  </p:cSld>
+  <p:clrMapOvr>
+    <a:masterClrMapping/>
+  </p:clrMapOvr>
+</p:sld>
+</file>
+
+<file path=ppt/slides/slide23.xml><?xml version="1.0" encoding="utf-8"?>
+<p:sld xmlns:a="http://schemas.openxmlformats.org/drawingml/2006/main" xmlns:r="http://schemas.openxmlformats.org/officeDocument/2006/relationships" xmlns:p="http://schemas.openxmlformats.org/presentationml/2006/main">
+  <p:cSld>
+    <p:spTree>
+      <p:nvGrpSpPr>
+        <p:cNvPr id="1" name=""/>
+        <p:cNvGrpSpPr/>
+        <p:nvPr/>
+      </p:nvGrpSpPr>
+      <p:grpSpPr>
+        <a:xfrm>
+          <a:off x="0" y="0"/>
+          <a:ext cx="0" cy="0"/>
+          <a:chOff x="0" y="0"/>
+          <a:chExt cx="0" cy="0"/>
+        </a:xfrm>
+      </p:grpSpPr>
+      <p:sp>
+        <p:nvSpPr>
+          <p:cNvPr id="2" name="Title 1">
+            <a:extLst>
+              <a:ext uri="{FF2B5EF4-FFF2-40B4-BE49-F238E27FC236}">
+                <a16:creationId xmlns:a16="http://schemas.microsoft.com/office/drawing/2014/main" id="{54D73403-9A23-A542-B199-F19483057F59}"/>
+              </a:ext>
+            </a:extLst>
+          </p:cNvPr>
+          <p:cNvSpPr>
+            <a:spLocks noGrp="1"/>
+          </p:cNvSpPr>
+          <p:nvPr>
+            <p:ph type="title"/>
+          </p:nvPr>
+        </p:nvSpPr>
+        <p:spPr/>
+        <p:txBody>
+          <a:bodyPr/>
+          <a:lstStyle/>
+          <a:p>
+            <a:r>
+              <a:rPr lang="en-US" dirty="0"/>
+              <a:t>Summer test</a:t>
+            </a:r>
+          </a:p>
+        </p:txBody>
+      </p:sp>
+      <p:sp>
+        <p:nvSpPr>
+          <p:cNvPr id="3" name="Content Placeholder 2">
+            <a:extLst>
+              <a:ext uri="{FF2B5EF4-FFF2-40B4-BE49-F238E27FC236}">
+                <a16:creationId xmlns:a16="http://schemas.microsoft.com/office/drawing/2014/main" id="{9F4E60BA-6828-BE4E-BDDB-32FF6B14418D}"/>
+              </a:ext>
+            </a:extLst>
+          </p:cNvPr>
+          <p:cNvSpPr>
+            <a:spLocks noGrp="1"/>
+          </p:cNvSpPr>
+          <p:nvPr>
+            <p:ph idx="1"/>
+          </p:nvPr>
+        </p:nvSpPr>
+        <p:spPr>
+          <a:xfrm>
+            <a:off x="523875" y="2638044"/>
+            <a:ext cx="11128375" cy="3101983"/>
+          </a:xfrm>
+        </p:spPr>
+        <p:txBody>
+          <a:bodyPr>
+            <a:normAutofit/>
+          </a:bodyPr>
+          <a:lstStyle/>
+          <a:p>
+            <a:r>
+              <a:rPr lang="en-US" sz="2400" dirty="0"/>
+              <a:t>H</a:t>
+            </a:r>
+            <a:r>
+              <a:rPr lang="en-US" sz="2400" baseline="-25000" dirty="0"/>
+              <a:t>0</a:t>
+            </a:r>
+            <a:r>
+              <a:rPr lang="en-US" sz="2400" dirty="0"/>
+              <a:t>:  Akron winter average temperature – Asheville winter average temperature = -2</a:t>
+            </a:r>
+          </a:p>
+          <a:p>
+            <a:r>
+              <a:rPr lang="en-US" sz="2400" dirty="0"/>
+              <a:t>Ha:  Akron winter average temperature – Asheville winter average temperature &gt; -2</a:t>
+            </a:r>
+          </a:p>
+          <a:p>
+            <a:r>
+              <a:rPr lang="en-US" sz="2400" dirty="0"/>
+              <a:t>Test statistic: z = 3.551</a:t>
+            </a:r>
+          </a:p>
+          <a:p>
+            <a:r>
+              <a:rPr lang="en-US" sz="2400" dirty="0"/>
+              <a:t>3.551 &gt; 1.645</a:t>
+            </a:r>
+          </a:p>
+          <a:p>
+            <a:r>
+              <a:rPr lang="en-US" sz="2400" dirty="0"/>
+              <a:t>Reject null hypothesis, Asheville summer average temperature less than 2 degrees warmer than Akron’s winter average temperature</a:t>
+            </a:r>
+          </a:p>
+          <a:p>
+            <a:endParaRPr lang="en-US" dirty="0"/>
+          </a:p>
+        </p:txBody>
+      </p:sp>
+    </p:spTree>
+    <p:extLst>
+      <p:ext uri="{BB962C8B-B14F-4D97-AF65-F5344CB8AC3E}">
+        <p14:creationId xmlns:p14="http://schemas.microsoft.com/office/powerpoint/2010/main" val="177377903"/>
+      </p:ext>
+    </p:extLst>
+  </p:cSld>
+  <p:clrMapOvr>
+    <a:masterClrMapping/>
+  </p:clrMapOvr>
+</p:sld>
+</file>
+
+<file path=ppt/slides/slide24.xml><?xml version="1.0" encoding="utf-8"?>
+<p:sld xmlns:a="http://schemas.openxmlformats.org/drawingml/2006/main" xmlns:r="http://schemas.openxmlformats.org/officeDocument/2006/relationships" xmlns:p="http://schemas.openxmlformats.org/presentationml/2006/main">
+  <p:cSld>
+    <p:spTree>
+      <p:nvGrpSpPr>
+        <p:cNvPr id="1" name=""/>
+        <p:cNvGrpSpPr/>
+        <p:nvPr/>
+      </p:nvGrpSpPr>
+      <p:grpSpPr>
+        <a:xfrm>
+          <a:off x="0" y="0"/>
+          <a:ext cx="0" cy="0"/>
+          <a:chOff x="0" y="0"/>
+          <a:chExt cx="0" cy="0"/>
+        </a:xfrm>
+      </p:grpSpPr>
+      <p:sp>
+        <p:nvSpPr>
+          <p:cNvPr id="2" name="Title 1">
+            <a:extLst>
+              <a:ext uri="{FF2B5EF4-FFF2-40B4-BE49-F238E27FC236}">
+                <a16:creationId xmlns:a16="http://schemas.microsoft.com/office/drawing/2014/main" id="{3D94E903-7628-694C-BD3A-EAF9D39C2218}"/>
+              </a:ext>
+            </a:extLst>
+          </p:cNvPr>
+          <p:cNvSpPr>
+            <a:spLocks noGrp="1"/>
+          </p:cNvSpPr>
+          <p:nvPr>
+            <p:ph type="title"/>
+          </p:nvPr>
+        </p:nvSpPr>
+        <p:spPr/>
+        <p:txBody>
+          <a:bodyPr/>
+          <a:lstStyle/>
+          <a:p>
+            <a:r>
+              <a:rPr lang="en-US" dirty="0"/>
+              <a:t>Conclusion</a:t>
+            </a:r>
+          </a:p>
+        </p:txBody>
+      </p:sp>
+      <p:sp>
+        <p:nvSpPr>
+          <p:cNvPr id="3" name="Content Placeholder 2">
+            <a:extLst>
+              <a:ext uri="{FF2B5EF4-FFF2-40B4-BE49-F238E27FC236}">
+                <a16:creationId xmlns:a16="http://schemas.microsoft.com/office/drawing/2014/main" id="{97D7B349-FCAD-6847-B3BC-B2A8372E9D36}"/>
+              </a:ext>
+            </a:extLst>
+          </p:cNvPr>
+          <p:cNvSpPr>
+            <a:spLocks noGrp="1"/>
+          </p:cNvSpPr>
+          <p:nvPr>
+            <p:ph idx="1"/>
+          </p:nvPr>
+        </p:nvSpPr>
+        <p:spPr>
+          <a:xfrm>
+            <a:off x="2231136" y="2638044"/>
+            <a:ext cx="7729728" cy="3727831"/>
+          </a:xfrm>
+        </p:spPr>
+        <p:txBody>
+          <a:bodyPr>
+            <a:normAutofit/>
+          </a:bodyPr>
+          <a:lstStyle/>
+          <a:p>
+            <a:r>
+              <a:rPr lang="en-US" sz="2400" dirty="0"/>
+              <a:t>When looking at the entire year temperature, then we are not able to make on conclusions about the temperature difference between Akron, OH and Asheville, NC</a:t>
+            </a:r>
+          </a:p>
+          <a:p>
+            <a:r>
+              <a:rPr lang="en-US" sz="2400" dirty="0"/>
+              <a:t>When looking at just the winter months, we are able to conclude that the average temperature in Asheville, NC is greater than 8 degrees warmer than Akron, OH.</a:t>
+            </a:r>
+          </a:p>
+          <a:p>
+            <a:r>
+              <a:rPr lang="en-US" sz="2400" dirty="0"/>
+              <a:t>When looking at just the summer months, we are able to conclude that the average temperature in Asheville, NC is less then 2 degrees warmer than Akron, OH.</a:t>
+            </a:r>
+          </a:p>
+        </p:txBody>
+      </p:sp>
+    </p:spTree>
+    <p:extLst>
+      <p:ext uri="{BB962C8B-B14F-4D97-AF65-F5344CB8AC3E}">
+        <p14:creationId xmlns:p14="http://schemas.microsoft.com/office/powerpoint/2010/main" val="1031107677"/>
+      </p:ext>
+    </p:extLst>
+  </p:cSld>
+  <p:clrMapOvr>
+    <a:masterClrMapping/>
+  </p:clrMapOvr>
+</p:sld>
+</file>
+
+<file path=ppt/slides/slide25.xml><?xml version="1.0" encoding="utf-8"?>
+<p:sld xmlns:a="http://schemas.openxmlformats.org/drawingml/2006/main" xmlns:r="http://schemas.openxmlformats.org/officeDocument/2006/relationships" xmlns:p="http://schemas.openxmlformats.org/presentationml/2006/main">
+  <p:cSld>
+    <p:spTree>
+      <p:nvGrpSpPr>
+        <p:cNvPr id="1" name=""/>
+        <p:cNvGrpSpPr/>
+        <p:nvPr/>
+      </p:nvGrpSpPr>
+      <p:grpSpPr>
+        <a:xfrm>
+          <a:off x="0" y="0"/>
+          <a:ext cx="0" cy="0"/>
+          <a:chOff x="0" y="0"/>
+          <a:chExt cx="0" cy="0"/>
+        </a:xfrm>
+      </p:grpSpPr>
+      <p:sp>
+        <p:nvSpPr>
+          <p:cNvPr id="2" name="Title 1">
+            <a:extLst>
+              <a:ext uri="{FF2B5EF4-FFF2-40B4-BE49-F238E27FC236}">
+                <a16:creationId xmlns:a16="http://schemas.microsoft.com/office/drawing/2014/main" id="{BC4E3925-FBFF-F64E-B3AC-7D793BC0F8F9}"/>
+              </a:ext>
+            </a:extLst>
+          </p:cNvPr>
+          <p:cNvSpPr>
+            <a:spLocks noGrp="1"/>
+          </p:cNvSpPr>
+          <p:nvPr>
+            <p:ph type="title"/>
+          </p:nvPr>
+        </p:nvSpPr>
+        <p:spPr/>
+        <p:txBody>
+          <a:bodyPr/>
+          <a:lstStyle/>
+          <a:p>
+            <a:r>
+              <a:rPr lang="en-US" dirty="0"/>
+              <a:t>Thank you</a:t>
+            </a:r>
+          </a:p>
+        </p:txBody>
+      </p:sp>
+      <p:sp>
+        <p:nvSpPr>
+          <p:cNvPr id="3" name="Content Placeholder 2">
+            <a:extLst>
+              <a:ext uri="{FF2B5EF4-FFF2-40B4-BE49-F238E27FC236}">
+                <a16:creationId xmlns:a16="http://schemas.microsoft.com/office/drawing/2014/main" id="{B747045D-ECF9-FF4C-8BE3-48062AA47761}"/>
+              </a:ext>
+            </a:extLst>
+          </p:cNvPr>
+          <p:cNvSpPr>
+            <a:spLocks noGrp="1"/>
+          </p:cNvSpPr>
+          <p:nvPr>
+            <p:ph idx="1"/>
+          </p:nvPr>
+        </p:nvSpPr>
+        <p:spPr/>
+        <p:txBody>
+          <a:bodyPr>
+            <a:normAutofit/>
+          </a:bodyPr>
+          <a:lstStyle/>
+          <a:p>
+            <a:r>
+              <a:rPr lang="en-US" sz="2400" dirty="0"/>
+              <a:t>Access data, calculations, and full report at </a:t>
+            </a:r>
+            <a:r>
+              <a:rPr lang="en-US" sz="2400" dirty="0">
+                <a:hlinkClick r:id="rId2"/>
+              </a:rPr>
+              <a:t>https://github.com/EricMaibach/AkronAshevilleWeatherAnalysis</a:t>
+            </a:r>
+            <a:endParaRPr lang="en-US" sz="2400" dirty="0"/>
+          </a:p>
+        </p:txBody>
+      </p:sp>
+    </p:spTree>
+    <p:extLst>
+      <p:ext uri="{BB962C8B-B14F-4D97-AF65-F5344CB8AC3E}">
+        <p14:creationId xmlns:p14="http://schemas.microsoft.com/office/powerpoint/2010/main" val="770940887"/>
       </p:ext>
     </p:extLst>
   </p:cSld>
@@ -5918,31 +7517,6 @@
               <a:rPr lang="en-US" dirty="0"/>
               <a:t>Data</a:t>
             </a:r>
-          </a:p>
-        </p:txBody>
-      </p:sp>
-      <p:sp>
-        <p:nvSpPr>
-          <p:cNvPr id="2" name="Text Placeholder 1">
-            <a:extLst>
-              <a:ext uri="{FF2B5EF4-FFF2-40B4-BE49-F238E27FC236}">
-                <a16:creationId xmlns:a16="http://schemas.microsoft.com/office/drawing/2014/main" id="{BDC8E865-51E1-D749-A278-F2845B746893}"/>
-              </a:ext>
-            </a:extLst>
-          </p:cNvPr>
-          <p:cNvSpPr>
-            <a:spLocks noGrp="1"/>
-          </p:cNvSpPr>
-          <p:nvPr>
-            <p:ph type="body" idx="1"/>
-          </p:nvPr>
-        </p:nvSpPr>
-        <p:spPr/>
-        <p:txBody>
-          <a:bodyPr/>
-          <a:lstStyle/>
-          <a:p>
-            <a:endParaRPr lang="en-US"/>
           </a:p>
         </p:txBody>
       </p:sp>
@@ -6568,7 +8142,7 @@
           <p:nvPr>
             <p:extLst>
               <p:ext uri="{D42A27DB-BD31-4B8C-83A1-F6EECF244321}">
-                <p14:modId xmlns:p14="http://schemas.microsoft.com/office/powerpoint/2010/main" val="2419538998"/>
+                <p14:modId xmlns:p14="http://schemas.microsoft.com/office/powerpoint/2010/main" val="2278388466"/>
               </p:ext>
             </p:extLst>
           </p:nvPr>
@@ -6803,12 +8377,12 @@
                         </a:spcAft>
                       </a:pPr>
                       <a:r>
-                        <a:rPr lang="en-US" sz="2000">
+                        <a:rPr lang="en-US" sz="2000" dirty="0">
                           <a:effectLst/>
                         </a:rPr>
-                        <a:t>51.930869</a:t>
+                        <a:t>51.93</a:t>
                       </a:r>
-                      <a:endParaRPr lang="en-US" sz="2000">
+                      <a:endParaRPr lang="en-US" sz="2000" dirty="0">
                         <a:effectLst/>
                         <a:latin typeface="Calibri" panose="020F0502020204030204" pitchFamily="34" charset="0"/>
                         <a:ea typeface="Times New Roman" panose="02020603050405020304" pitchFamily="18" charset="0"/>
@@ -6933,12 +8507,12 @@
                         </a:spcAft>
                       </a:pPr>
                       <a:r>
-                        <a:rPr lang="en-US" sz="2000">
+                        <a:rPr lang="en-US" sz="2000" dirty="0">
                           <a:effectLst/>
                         </a:rPr>
-                        <a:t>19.175898</a:t>
+                        <a:t>19.178</a:t>
                       </a:r>
-                      <a:endParaRPr lang="en-US" sz="2000">
+                      <a:endParaRPr lang="en-US" sz="2000" dirty="0">
                         <a:effectLst/>
                         <a:latin typeface="Calibri" panose="020F0502020204030204" pitchFamily="34" charset="0"/>
                         <a:ea typeface="Times New Roman" panose="02020603050405020304" pitchFamily="18" charset="0"/>
@@ -7101,7 +8675,7 @@
           <p:nvPr>
             <p:extLst>
               <p:ext uri="{D42A27DB-BD31-4B8C-83A1-F6EECF244321}">
-                <p14:modId xmlns:p14="http://schemas.microsoft.com/office/powerpoint/2010/main" val="4008172966"/>
+                <p14:modId xmlns:p14="http://schemas.microsoft.com/office/powerpoint/2010/main" val="314147354"/>
               </p:ext>
             </p:extLst>
           </p:nvPr>
@@ -7336,12 +8910,12 @@
                         </a:spcAft>
                       </a:pPr>
                       <a:r>
-                        <a:rPr lang="en-US" sz="2000">
+                        <a:rPr lang="en-US" sz="2000" dirty="0">
                           <a:effectLst/>
                         </a:rPr>
-                        <a:t>56.988364</a:t>
+                        <a:t>56.99</a:t>
                       </a:r>
-                      <a:endParaRPr lang="en-US" sz="2000">
+                      <a:endParaRPr lang="en-US" sz="2000" dirty="0">
                         <a:effectLst/>
                         <a:latin typeface="Calibri" panose="020F0502020204030204" pitchFamily="34" charset="0"/>
                         <a:ea typeface="Times New Roman" panose="02020603050405020304" pitchFamily="18" charset="0"/>
@@ -7401,12 +8975,12 @@
                         </a:spcAft>
                       </a:pPr>
                       <a:r>
-                        <a:rPr lang="en-US" sz="2000">
+                        <a:rPr lang="en-US" sz="2000" dirty="0">
                           <a:effectLst/>
                         </a:rPr>
                         <a:t>59</a:t>
                       </a:r>
-                      <a:endParaRPr lang="en-US" sz="2000">
+                      <a:endParaRPr lang="en-US" sz="2000" dirty="0">
                         <a:effectLst/>
                         <a:latin typeface="Calibri" panose="020F0502020204030204" pitchFamily="34" charset="0"/>
                         <a:ea typeface="Times New Roman" panose="02020603050405020304" pitchFamily="18" charset="0"/>
@@ -7466,12 +9040,12 @@
                         </a:spcAft>
                       </a:pPr>
                       <a:r>
-                        <a:rPr lang="en-US" sz="2000">
+                        <a:rPr lang="en-US" sz="2000" dirty="0">
                           <a:effectLst/>
                         </a:rPr>
-                        <a:t>14.726939</a:t>
+                        <a:t>14.73</a:t>
                       </a:r>
-                      <a:endParaRPr lang="en-US" sz="2000">
+                      <a:endParaRPr lang="en-US" sz="2000" dirty="0">
                         <a:effectLst/>
                         <a:latin typeface="Calibri" panose="020F0502020204030204" pitchFamily="34" charset="0"/>
                         <a:ea typeface="Times New Roman" panose="02020603050405020304" pitchFamily="18" charset="0"/>
@@ -7674,33 +9248,8 @@
           <a:p>
             <a:r>
               <a:rPr lang="en-US" dirty="0"/>
-              <a:t>Boxplot</a:t>
-            </a:r>
-          </a:p>
-        </p:txBody>
-      </p:sp>
-      <p:sp>
-        <p:nvSpPr>
-          <p:cNvPr id="5" name="Content Placeholder 4">
-            <a:extLst>
-              <a:ext uri="{FF2B5EF4-FFF2-40B4-BE49-F238E27FC236}">
-                <a16:creationId xmlns:a16="http://schemas.microsoft.com/office/drawing/2014/main" id="{3C15AF8A-649A-B147-9FEE-5E39DD5338F3}"/>
-              </a:ext>
-            </a:extLst>
-          </p:cNvPr>
-          <p:cNvSpPr>
-            <a:spLocks noGrp="1"/>
-          </p:cNvSpPr>
-          <p:nvPr>
-            <p:ph idx="1"/>
-          </p:nvPr>
-        </p:nvSpPr>
-        <p:spPr/>
-        <p:txBody>
-          <a:bodyPr/>
-          <a:lstStyle/>
-          <a:p>
-            <a:endParaRPr lang="en-US" dirty="0"/>
+              <a:t>Box plot</a:t>
+            </a:r>
           </a:p>
         </p:txBody>
       </p:sp>

--- a/AkronAshevillePresentation.pptx
+++ b/AkronAshevillePresentation.pptx
@@ -3480,6 +3480,12 @@
               <a:t>95% confidence</a:t>
             </a:r>
           </a:p>
+          <a:p>
+            <a:r>
+              <a:rPr lang="en-US" sz="2400" dirty="0"/>
+              <a:t>Two sample z test used.</a:t>
+            </a:r>
+          </a:p>
         </p:txBody>
       </p:sp>
     </p:spTree>
@@ -3558,8 +3564,8 @@
         </p:nvSpPr>
         <p:spPr>
           <a:xfrm>
-            <a:off x="2231136" y="2638044"/>
-            <a:ext cx="7729728" cy="4077562"/>
+            <a:off x="1712575" y="2638044"/>
+            <a:ext cx="9678939" cy="4077562"/>
           </a:xfrm>
         </p:spPr>
         <p:txBody>
@@ -3589,6 +3595,12 @@
             <a:r>
               <a:rPr lang="en-US" sz="2400" dirty="0"/>
               <a:t>Test statistic: z = -0.090892</a:t>
+            </a:r>
+          </a:p>
+          <a:p>
+            <a:r>
+              <a:rPr lang="en-US" sz="2400" dirty="0"/>
+              <a:t>Lower-tailed test</a:t>
             </a:r>
           </a:p>
           <a:p>
@@ -5030,7 +5042,7 @@
           <p:nvPr>
             <p:extLst>
               <p:ext uri="{D42A27DB-BD31-4B8C-83A1-F6EECF244321}">
-                <p14:modId xmlns:p14="http://schemas.microsoft.com/office/powerpoint/2010/main" val="2190263381"/>
+                <p14:modId xmlns:p14="http://schemas.microsoft.com/office/powerpoint/2010/main" val="3330133355"/>
               </p:ext>
             </p:extLst>
           </p:nvPr>
@@ -6203,8 +6215,8 @@
         </p:blipFill>
         <p:spPr>
           <a:xfrm>
-            <a:off x="33438" y="3017519"/>
-            <a:ext cx="6059533" cy="3216064"/>
+            <a:off x="33438" y="3017518"/>
+            <a:ext cx="6059533" cy="3840481"/>
           </a:xfrm>
           <a:prstGeom prst="rect">
             <a:avLst/>
@@ -6234,7 +6246,7 @@
         <p:spPr>
           <a:xfrm>
             <a:off x="6099029" y="3017519"/>
-            <a:ext cx="6059535" cy="3216064"/>
+            <a:ext cx="6059535" cy="3840480"/>
           </a:xfrm>
           <a:prstGeom prst="rect">
             <a:avLst/>
@@ -6454,6 +6466,12 @@
             </a:r>
           </a:p>
           <a:p>
+            <a:r>
+              <a:rPr lang="en-US" sz="2400" dirty="0"/>
+              <a:t>Two sample z test used.</a:t>
+            </a:r>
+          </a:p>
+          <a:p>
             <a:endParaRPr lang="en-US" dirty="0"/>
           </a:p>
         </p:txBody>
@@ -6535,7 +6553,7 @@
         <p:spPr>
           <a:xfrm>
             <a:off x="523875" y="2638044"/>
-            <a:ext cx="11128375" cy="3101983"/>
+            <a:ext cx="11128375" cy="4019835"/>
           </a:xfrm>
         </p:spPr>
         <p:txBody>
@@ -6572,21 +6590,19 @@
           <a:p>
             <a:r>
               <a:rPr lang="en-US" sz="2400" dirty="0"/>
+              <a:t>Lower-tailed test</a:t>
+            </a:r>
+          </a:p>
+          <a:p>
+            <a:r>
+              <a:rPr lang="en-US" sz="2400" dirty="0"/>
               <a:t>-2.530 &lt; -1.645</a:t>
             </a:r>
           </a:p>
           <a:p>
             <a:r>
               <a:rPr lang="en-US" sz="2400" dirty="0"/>
-              <a:t>Reject null hypothesis, Asheville winter average temperature </a:t>
-            </a:r>
-            <a:r>
-              <a:rPr lang="en-US" sz="2400"/>
-              <a:t>greater than </a:t>
-            </a:r>
-            <a:r>
-              <a:rPr lang="en-US" sz="2400" dirty="0"/>
-              <a:t>8 degrees warmer than Akron’s winter average temperature</a:t>
+              <a:t>Reject null hypothesis, Asheville winter average temperature greater than 8 degrees warmer than Akron’s winter average temperature</a:t>
             </a:r>
           </a:p>
           <a:p>
@@ -6691,6 +6707,12 @@
             </a:r>
           </a:p>
           <a:p>
+            <a:r>
+              <a:rPr lang="en-US" sz="2400" dirty="0"/>
+              <a:t>Two sample z test used.</a:t>
+            </a:r>
+          </a:p>
+          <a:p>
             <a:endParaRPr lang="en-US" dirty="0"/>
           </a:p>
         </p:txBody>
@@ -6777,7 +6799,7 @@
         </p:spPr>
         <p:txBody>
           <a:bodyPr>
-            <a:normAutofit/>
+            <a:normAutofit lnSpcReduction="10000"/>
           </a:bodyPr>
           <a:lstStyle/>
           <a:p>
@@ -6804,6 +6826,12 @@
             <a:r>
               <a:rPr lang="en-US" sz="2400" dirty="0"/>
               <a:t>Test statistic: z = 3.551</a:t>
+            </a:r>
+          </a:p>
+          <a:p>
+            <a:r>
+              <a:rPr lang="en-US" sz="2400" dirty="0"/>
+              <a:t>Upper-tailed test</a:t>
             </a:r>
           </a:p>
           <a:p>
@@ -6899,8 +6927,8 @@
         </p:nvSpPr>
         <p:spPr>
           <a:xfrm>
-            <a:off x="2231136" y="2638044"/>
-            <a:ext cx="7729728" cy="3727831"/>
+            <a:off x="1443181" y="2638044"/>
+            <a:ext cx="9409545" cy="4039077"/>
           </a:xfrm>
         </p:spPr>
         <p:txBody>
@@ -6911,7 +6939,15 @@
           <a:p>
             <a:r>
               <a:rPr lang="en-US" sz="2400" dirty="0"/>
-              <a:t>When looking at the entire year temperature, then we are not able to make on conclusions about the temperature difference between Akron, OH and Asheville, NC</a:t>
+              <a:t>When looking at the </a:t>
+            </a:r>
+            <a:r>
+              <a:rPr lang="en-US" sz="2400"/>
+              <a:t>entire year, </a:t>
+            </a:r>
+            <a:r>
+              <a:rPr lang="en-US" sz="2400" dirty="0"/>
+              <a:t>then we are not able to make on conclusions about the temperature difference between Akron, OH and Asheville, NC</a:t>
             </a:r>
           </a:p>
           <a:p>
@@ -7258,13 +7294,8 @@
             <a:pPr algn="l"/>
             <a:r>
               <a:rPr lang="en-US" sz="2600" dirty="0"/>
-              <a:t>Amazing </a:t>
-            </a:r>
-            <a:r>
-              <a:rPr lang="en-US" sz="2600" dirty="0" err="1"/>
-              <a:t>Pubcycle</a:t>
-            </a:r>
-            <a:endParaRPr lang="en-US" sz="2600" dirty="0"/>
+              <a:t>Amazing PubCycle</a:t>
+            </a:r>
           </a:p>
           <a:p>
             <a:pPr algn="l"/>

--- a/AkronAshevillePresentation.pptx
+++ b/AkronAshevillePresentation.pptx
@@ -18,7 +18,7 @@
     <p:sldId id="265" r:id="rId12"/>
     <p:sldId id="266" r:id="rId13"/>
     <p:sldId id="273" r:id="rId14"/>
-    <p:sldId id="275" r:id="rId15"/>
+    <p:sldId id="281" r:id="rId15"/>
     <p:sldId id="267" r:id="rId16"/>
     <p:sldId id="268" r:id="rId17"/>
     <p:sldId id="276" r:id="rId18"/>
@@ -3735,14 +3735,16 @@
       </p:sp>
       <p:pic>
         <p:nvPicPr>
-          <p:cNvPr id="8" name="Picture 7">
+          <p:cNvPr id="3" name="Picture 2">
             <a:extLst>
               <a:ext uri="{FF2B5EF4-FFF2-40B4-BE49-F238E27FC236}">
-                <a16:creationId xmlns:a16="http://schemas.microsoft.com/office/drawing/2014/main" id="{47758B81-337D-124F-9282-901A5367D0B1}"/>
+                <a16:creationId xmlns:a16="http://schemas.microsoft.com/office/drawing/2014/main" id="{22DB79F1-30A2-784C-BB94-08B9EB26926F}"/>
               </a:ext>
             </a:extLst>
           </p:cNvPr>
-          <p:cNvPicPr/>
+          <p:cNvPicPr>
+            <a:picLocks noChangeAspect="1"/>
+          </p:cNvPicPr>
           <p:nvPr/>
         </p:nvPicPr>
         <p:blipFill>
@@ -3753,8 +3755,8 @@
         </p:blipFill>
         <p:spPr>
           <a:xfrm>
-            <a:off x="3103562" y="2317749"/>
-            <a:ext cx="5984875" cy="4206875"/>
+            <a:off x="2817133" y="2309091"/>
+            <a:ext cx="6557734" cy="4548909"/>
           </a:xfrm>
           <a:prstGeom prst="rect">
             <a:avLst/>
@@ -3764,7 +3766,7 @@
     </p:spTree>
     <p:extLst>
       <p:ext uri="{BB962C8B-B14F-4D97-AF65-F5344CB8AC3E}">
-        <p14:creationId xmlns:p14="http://schemas.microsoft.com/office/powerpoint/2010/main" val="2310364287"/>
+        <p14:creationId xmlns:p14="http://schemas.microsoft.com/office/powerpoint/2010/main" val="2351094302"/>
       </p:ext>
     </p:extLst>
   </p:cSld>
@@ -3821,14 +3823,16 @@
       </p:sp>
       <p:pic>
         <p:nvPicPr>
-          <p:cNvPr id="6" name="Picture 5">
+          <p:cNvPr id="4" name="Picture 3">
             <a:extLst>
               <a:ext uri="{FF2B5EF4-FFF2-40B4-BE49-F238E27FC236}">
-                <a16:creationId xmlns:a16="http://schemas.microsoft.com/office/drawing/2014/main" id="{7CEEB106-49EB-D24A-9076-ADA70762A4D7}"/>
+                <a16:creationId xmlns:a16="http://schemas.microsoft.com/office/drawing/2014/main" id="{5507C0E4-C2D0-2443-B71D-4F60E5A3201E}"/>
               </a:ext>
             </a:extLst>
           </p:cNvPr>
-          <p:cNvPicPr/>
+          <p:cNvPicPr>
+            <a:picLocks noChangeAspect="1"/>
+          </p:cNvPicPr>
           <p:nvPr/>
         </p:nvPicPr>
         <p:blipFill>
@@ -3839,8 +3843,8 @@
         </p:blipFill>
         <p:spPr>
           <a:xfrm>
-            <a:off x="0" y="2286000"/>
-            <a:ext cx="12192000" cy="4572000"/>
+            <a:off x="1810595" y="2309091"/>
+            <a:ext cx="8570810" cy="4548909"/>
           </a:xfrm>
           <a:prstGeom prst="rect">
             <a:avLst/>
@@ -9286,14 +9290,16 @@
       </p:sp>
       <p:pic>
         <p:nvPicPr>
-          <p:cNvPr id="8" name="Picture 7">
+          <p:cNvPr id="3" name="Picture 2">
             <a:extLst>
               <a:ext uri="{FF2B5EF4-FFF2-40B4-BE49-F238E27FC236}">
-                <a16:creationId xmlns:a16="http://schemas.microsoft.com/office/drawing/2014/main" id="{47758B81-337D-124F-9282-901A5367D0B1}"/>
+                <a16:creationId xmlns:a16="http://schemas.microsoft.com/office/drawing/2014/main" id="{22DB79F1-30A2-784C-BB94-08B9EB26926F}"/>
               </a:ext>
             </a:extLst>
           </p:cNvPr>
-          <p:cNvPicPr/>
+          <p:cNvPicPr>
+            <a:picLocks noChangeAspect="1"/>
+          </p:cNvPicPr>
           <p:nvPr/>
         </p:nvPicPr>
         <p:blipFill>
@@ -9304,8 +9310,8 @@
         </p:blipFill>
         <p:spPr>
           <a:xfrm>
-            <a:off x="3103562" y="2317749"/>
-            <a:ext cx="5984875" cy="4206875"/>
+            <a:off x="2817133" y="2309091"/>
+            <a:ext cx="6557734" cy="4548909"/>
           </a:xfrm>
           <a:prstGeom prst="rect">
             <a:avLst/>

--- a/AkronAshevillePresentation.pptx
+++ b/AkronAshevillePresentation.pptx
@@ -294,7 +294,7 @@
           <a:p>
             <a:fld id="{1160EA64-D806-43AC-9DF2-F8C432F32B4C}" type="datetimeFigureOut">
               <a:rPr lang="en-US" dirty="0"/>
-              <a:t>12/2/18</a:t>
+              <a:t>12/3/18</a:t>
             </a:fld>
             <a:endParaRPr lang="en-US" dirty="0"/>
           </a:p>
@@ -460,7 +460,7 @@
           <a:p>
             <a:fld id="{E9F9C37B-1D36-470B-8223-D6C91242EC14}" type="datetimeFigureOut">
               <a:rPr lang="en-US" dirty="0"/>
-              <a:t>12/2/18</a:t>
+              <a:t>12/3/18</a:t>
             </a:fld>
             <a:endParaRPr lang="en-US" dirty="0"/>
           </a:p>
@@ -635,7 +635,7 @@
           <a:p>
             <a:fld id="{67C6F52A-A82B-47A2-A83A-8C4C91F2D59F}" type="datetimeFigureOut">
               <a:rPr lang="en-US" dirty="0"/>
-              <a:t>12/2/18</a:t>
+              <a:t>12/3/18</a:t>
             </a:fld>
             <a:endParaRPr lang="en-US" dirty="0"/>
           </a:p>
@@ -800,7 +800,7 @@
           <a:p>
             <a:fld id="{F070A7B3-6521-4DCA-87E5-044747A908C1}" type="datetimeFigureOut">
               <a:rPr lang="en-US" dirty="0"/>
-              <a:t>12/2/18</a:t>
+              <a:t>12/3/18</a:t>
             </a:fld>
             <a:endParaRPr lang="en-US" dirty="0"/>
           </a:p>
@@ -1064,7 +1064,7 @@
           <a:p>
             <a:fld id="{1160EA64-D806-43AC-9DF2-F8C432F32B4C}" type="datetimeFigureOut">
               <a:rPr lang="en-US" dirty="0"/>
-              <a:t>12/2/18</a:t>
+              <a:t>12/3/18</a:t>
             </a:fld>
             <a:endParaRPr lang="en-US" dirty="0"/>
           </a:p>
@@ -1292,7 +1292,7 @@
           <a:p>
             <a:fld id="{AB134690-1557-4C89-A502-4959FE7FAD70}" type="datetimeFigureOut">
               <a:rPr lang="en-US" dirty="0"/>
-              <a:t>12/2/18</a:t>
+              <a:t>12/3/18</a:t>
             </a:fld>
             <a:endParaRPr lang="en-US" dirty="0"/>
           </a:p>
@@ -1646,7 +1646,7 @@
           <a:p>
             <a:fld id="{4F7D4976-E339-4826-83B7-FBD03F55ECF8}" type="datetimeFigureOut">
               <a:rPr lang="en-US" dirty="0"/>
-              <a:t>12/2/18</a:t>
+              <a:t>12/3/18</a:t>
             </a:fld>
             <a:endParaRPr lang="en-US" dirty="0"/>
           </a:p>
@@ -1782,7 +1782,7 @@
           <a:p>
             <a:fld id="{E1037C31-9E7A-4F99-8774-A0E530DE1A42}" type="datetimeFigureOut">
               <a:rPr lang="en-US" dirty="0"/>
-              <a:t>12/2/18</a:t>
+              <a:t>12/3/18</a:t>
             </a:fld>
             <a:endParaRPr lang="en-US" dirty="0"/>
           </a:p>
@@ -1872,7 +1872,7 @@
           <a:p>
             <a:fld id="{C278504F-A551-4DE0-9316-4DCD1D8CC752}" type="datetimeFigureOut">
               <a:rPr lang="en-US" dirty="0"/>
-              <a:t>12/2/18</a:t>
+              <a:t>12/3/18</a:t>
             </a:fld>
             <a:endParaRPr lang="en-US" dirty="0"/>
           </a:p>
@@ -2224,7 +2224,7 @@
           <a:p>
             <a:fld id="{D1BE4249-C0D0-4B06-8692-E8BB871AF643}" type="datetimeFigureOut">
               <a:rPr lang="en-US" dirty="0"/>
-              <a:t>12/2/18</a:t>
+              <a:t>12/3/18</a:t>
             </a:fld>
             <a:endParaRPr lang="en-US" dirty="0"/>
           </a:p>
@@ -2576,7 +2576,7 @@
           <a:p>
             <a:fld id="{042B0DB6-F5C7-45FB-8CF3-31B45F9C2DAC}" type="datetimeFigureOut">
               <a:rPr lang="en-US" dirty="0"/>
-              <a:t>12/2/18</a:t>
+              <a:t>12/3/18</a:t>
             </a:fld>
             <a:endParaRPr lang="en-US" dirty="0"/>
           </a:p>
@@ -2812,7 +2812,7 @@
           <a:p>
             <a:fld id="{1160EA64-D806-43AC-9DF2-F8C432F32B4C}" type="datetimeFigureOut">
               <a:rPr lang="en-US" dirty="0"/>
-              <a:t>12/2/18</a:t>
+              <a:t>12/3/18</a:t>
             </a:fld>
             <a:endParaRPr lang="en-US" dirty="0"/>
           </a:p>
@@ -3465,25 +3465,19 @@
           <a:p>
             <a:r>
               <a:rPr lang="en-US" sz="2400" dirty="0"/>
-              <a:t>Two sample Z test</a:t>
+              <a:t>Two sample Z test was used.</a:t>
             </a:r>
           </a:p>
           <a:p>
             <a:r>
               <a:rPr lang="en-US" sz="2400" dirty="0"/>
-              <a:t>Population distribution unknown, but because sample size is large can assume normal by central limit theorem</a:t>
+              <a:t>Population distribution unknown, but because sample size is large can assume normal by central limit theorem.</a:t>
             </a:r>
           </a:p>
           <a:p>
             <a:r>
               <a:rPr lang="en-US" sz="2400" dirty="0"/>
-              <a:t>95% confidence</a:t>
-            </a:r>
-          </a:p>
-          <a:p>
-            <a:r>
-              <a:rPr lang="en-US" sz="2400" dirty="0"/>
-              <a:t>Two sample z test used.</a:t>
+              <a:t>95% confidence.</a:t>
             </a:r>
           </a:p>
         </p:txBody>
@@ -6454,25 +6448,19 @@
           <a:p>
             <a:r>
               <a:rPr lang="en-US" sz="2400" dirty="0"/>
-              <a:t>Two sample Z test</a:t>
+              <a:t>Two sample Z test was used.</a:t>
             </a:r>
           </a:p>
           <a:p>
             <a:r>
               <a:rPr lang="en-US" sz="2400" dirty="0"/>
-              <a:t>Population distribution unknown, but because sample size is large can assume normal by central limit theorem</a:t>
+              <a:t>Population distribution unknown, but because sample size is large can assume normal by central limit theorem.</a:t>
             </a:r>
           </a:p>
           <a:p>
             <a:r>
               <a:rPr lang="en-US" sz="2400" dirty="0"/>
-              <a:t>95% confidence</a:t>
-            </a:r>
-          </a:p>
-          <a:p>
-            <a:r>
-              <a:rPr lang="en-US" sz="2400" dirty="0"/>
-              <a:t>Two sample z test used.</a:t>
+              <a:t>95% confidence.</a:t>
             </a:r>
           </a:p>
           <a:p>
@@ -6695,25 +6683,19 @@
           <a:p>
             <a:r>
               <a:rPr lang="en-US" sz="2400" dirty="0"/>
-              <a:t>Two sample Z test</a:t>
+              <a:t>Two sample Z test was used.</a:t>
             </a:r>
           </a:p>
           <a:p>
             <a:r>
               <a:rPr lang="en-US" sz="2400" dirty="0"/>
-              <a:t>Population distribution unknown, but because sample size is large can assume normal by central limit theorem</a:t>
+              <a:t>Population distribution unknown, but because sample size is large can assume normal by central limit theorem.</a:t>
             </a:r>
           </a:p>
           <a:p>
             <a:r>
               <a:rPr lang="en-US" sz="2400" dirty="0"/>
-              <a:t>95% confidence</a:t>
-            </a:r>
-          </a:p>
-          <a:p>
-            <a:r>
-              <a:rPr lang="en-US" sz="2400" dirty="0"/>
-              <a:t>Two sample z test used.</a:t>
+              <a:t>95% confidence.</a:t>
             </a:r>
           </a:p>
           <a:p>
@@ -6803,7 +6785,7 @@
         </p:spPr>
         <p:txBody>
           <a:bodyPr>
-            <a:normAutofit lnSpcReduction="10000"/>
+            <a:normAutofit fontScale="92500"/>
           </a:bodyPr>
           <a:lstStyle/>
           <a:p>
@@ -6817,13 +6799,13 @@
             </a:r>
             <a:r>
               <a:rPr lang="en-US" sz="2400" dirty="0"/>
-              <a:t>:  Akron winter average temperature – Asheville winter average temperature = -2</a:t>
+              <a:t>:  Akron summer average temperature – Asheville summer average temperature = -2</a:t>
             </a:r>
           </a:p>
           <a:p>
             <a:r>
               <a:rPr lang="en-US" sz="2400" dirty="0"/>
-              <a:t>Ha:  Akron winter average temperature – Asheville winter average temperature &gt; -2</a:t>
+              <a:t>Ha:  Akron summer average temperature – Asheville summer average temperature &gt; -2</a:t>
             </a:r>
           </a:p>
           <a:p>
@@ -6847,7 +6829,7 @@
           <a:p>
             <a:r>
               <a:rPr lang="en-US" sz="2400" dirty="0"/>
-              <a:t>Reject null hypothesis, Asheville summer average temperature less than 2 degrees warmer than Akron’s winter average temperature</a:t>
+              <a:t>Reject null hypothesis, Asheville summer average temperature less than 2 degrees warmer than Akron’s summer average temperature</a:t>
             </a:r>
           </a:p>
           <a:p>
@@ -7277,7 +7259,7 @@
             <a:pPr algn="l"/>
             <a:r>
               <a:rPr lang="en-US" sz="2600" dirty="0"/>
-              <a:t>Located in north east North Carolina.</a:t>
+              <a:t>Located in northeast North Carolina.</a:t>
             </a:r>
           </a:p>
           <a:p>
